--- a/contents/4/Excelマクロで学ぶVBA入門_第4回.pptx
+++ b/contents/4/Excelマクロで学ぶVBA入門_第4回.pptx
@@ -5,10 +5,10 @@
     <p:sldMasterId id="2147483696" r:id="rId4"/>
   </p:sldMasterIdLst>
   <p:notesMasterIdLst>
-    <p:notesMasterId r:id="rId21"/>
+    <p:notesMasterId r:id="rId24"/>
   </p:notesMasterIdLst>
   <p:handoutMasterIdLst>
-    <p:handoutMasterId r:id="rId22"/>
+    <p:handoutMasterId r:id="rId25"/>
   </p:handoutMasterIdLst>
   <p:sldIdLst>
     <p:sldId id="256" r:id="rId5"/>
@@ -26,7 +26,10 @@
     <p:sldId id="342" r:id="rId17"/>
     <p:sldId id="344" r:id="rId18"/>
     <p:sldId id="403" r:id="rId19"/>
-    <p:sldId id="387" r:id="rId20"/>
+    <p:sldId id="405" r:id="rId20"/>
+    <p:sldId id="406" r:id="rId21"/>
+    <p:sldId id="407" r:id="rId22"/>
+    <p:sldId id="387" r:id="rId23"/>
   </p:sldIdLst>
   <p:sldSz cx="12192000" cy="6858000"/>
   <p:notesSz cx="9866313" cy="6735763"/>
@@ -153,6 +156,9 @@
             <p14:sldId id="342"/>
             <p14:sldId id="344"/>
             <p14:sldId id="403"/>
+            <p14:sldId id="405"/>
+            <p14:sldId id="406"/>
+            <p14:sldId id="407"/>
             <p14:sldId id="387"/>
           </p14:sldIdLst>
         </p14:section>
@@ -303,7 +309,7 @@
           <a:p>
             <a:fld id="{8BD3879E-B6F0-41EB-B137-B543B50E8436}" type="datetimeFigureOut">
               <a:rPr kumimoji="1" lang="ja-JP" altLang="en-US" smtClean="0"/>
-              <a:t>2019/4/9</a:t>
+              <a:t>2019/4/10</a:t>
             </a:fld>
             <a:endParaRPr kumimoji="1" lang="ja-JP" altLang="en-US"/>
           </a:p>
@@ -468,7 +474,7 @@
           <a:p>
             <a:fld id="{4376C1B9-3E75-480A-9811-8339888E7ED0}" type="datetimeFigureOut">
               <a:rPr kumimoji="1" lang="ja-JP" altLang="en-US" smtClean="0"/>
-              <a:t>2019/4/9</a:t>
+              <a:t>2019/4/10</a:t>
             </a:fld>
             <a:endParaRPr kumimoji="1" lang="ja-JP" altLang="en-US"/>
           </a:p>
@@ -851,6 +857,90 @@
 </p:notes>
 </file>
 
+<file path=ppt/notesSlides/notesSlide2.xml><?xml version="1.0" encoding="utf-8"?>
+<p:notes xmlns:a="http://schemas.openxmlformats.org/drawingml/2006/main" xmlns:r="http://schemas.openxmlformats.org/officeDocument/2006/relationships" xmlns:p="http://schemas.openxmlformats.org/presentationml/2006/main">
+  <p:cSld>
+    <p:spTree>
+      <p:nvGrpSpPr>
+        <p:cNvPr id="1" name=""/>
+        <p:cNvGrpSpPr/>
+        <p:nvPr/>
+      </p:nvGrpSpPr>
+      <p:grpSpPr>
+        <a:xfrm>
+          <a:off x="0" y="0"/>
+          <a:ext cx="0" cy="0"/>
+          <a:chOff x="0" y="0"/>
+          <a:chExt cx="0" cy="0"/>
+        </a:xfrm>
+      </p:grpSpPr>
+      <p:sp>
+        <p:nvSpPr>
+          <p:cNvPr id="2" name="スライド イメージ プレースホルダー 1"/>
+          <p:cNvSpPr>
+            <a:spLocks noGrp="1" noRot="1" noChangeAspect="1"/>
+          </p:cNvSpPr>
+          <p:nvPr>
+            <p:ph type="sldImg"/>
+          </p:nvPr>
+        </p:nvSpPr>
+        <p:spPr/>
+      </p:sp>
+      <p:sp>
+        <p:nvSpPr>
+          <p:cNvPr id="3" name="ノート プレースホルダー 2"/>
+          <p:cNvSpPr>
+            <a:spLocks noGrp="1"/>
+          </p:cNvSpPr>
+          <p:nvPr>
+            <p:ph type="body" idx="1"/>
+          </p:nvPr>
+        </p:nvSpPr>
+        <p:spPr/>
+        <p:txBody>
+          <a:bodyPr/>
+          <a:lstStyle/>
+          <a:p>
+            <a:endParaRPr kumimoji="1" lang="ja-JP" altLang="en-US" dirty="0"/>
+          </a:p>
+        </p:txBody>
+      </p:sp>
+      <p:sp>
+        <p:nvSpPr>
+          <p:cNvPr id="4" name="スライド番号プレースホルダー 3"/>
+          <p:cNvSpPr>
+            <a:spLocks noGrp="1"/>
+          </p:cNvSpPr>
+          <p:nvPr>
+            <p:ph type="sldNum" sz="quarter" idx="10"/>
+          </p:nvPr>
+        </p:nvSpPr>
+        <p:spPr/>
+        <p:txBody>
+          <a:bodyPr/>
+          <a:lstStyle/>
+          <a:p>
+            <a:fld id="{790C7263-9AAA-406F-B8A3-A67DB2116E55}" type="slidenum">
+              <a:rPr kumimoji="1" lang="ja-JP" altLang="en-US" smtClean="0"/>
+              <a:t>17</a:t>
+            </a:fld>
+            <a:endParaRPr kumimoji="1" lang="ja-JP" altLang="en-US"/>
+          </a:p>
+        </p:txBody>
+      </p:sp>
+    </p:spTree>
+    <p:extLst>
+      <p:ext uri="{BB962C8B-B14F-4D97-AF65-F5344CB8AC3E}">
+        <p14:creationId xmlns:p14="http://schemas.microsoft.com/office/powerpoint/2010/main" val="2747719347"/>
+      </p:ext>
+    </p:extLst>
+  </p:cSld>
+  <p:clrMapOvr>
+    <a:masterClrMapping/>
+  </p:clrMapOvr>
+</p:notes>
+</file>
+
 <file path=ppt/slideLayouts/slideLayout1.xml><?xml version="1.0" encoding="utf-8"?>
 <p:sldLayout xmlns:a="http://schemas.openxmlformats.org/drawingml/2006/main" xmlns:r="http://schemas.openxmlformats.org/officeDocument/2006/relationships" xmlns:p="http://schemas.openxmlformats.org/presentationml/2006/main" showMasterSp="0" type="title" preserve="1">
   <p:cSld name="タイトル スライド">
@@ -1077,7 +1167,7 @@
           <a:p>
             <a:fld id="{0E02A643-9BB0-4E02-80B2-2C0A5E5D738E}" type="datetimeFigureOut">
               <a:rPr kumimoji="1" lang="ja-JP" altLang="en-US" smtClean="0"/>
-              <a:t>2019/4/9</a:t>
+              <a:t>2019/4/10</a:t>
             </a:fld>
             <a:endParaRPr kumimoji="1" lang="ja-JP" altLang="en-US"/>
           </a:p>
@@ -1317,7 +1407,7 @@
           <a:p>
             <a:fld id="{0E02A643-9BB0-4E02-80B2-2C0A5E5D738E}" type="datetimeFigureOut">
               <a:rPr kumimoji="1" lang="ja-JP" altLang="en-US" smtClean="0"/>
-              <a:t>2019/4/9</a:t>
+              <a:t>2019/4/10</a:t>
             </a:fld>
             <a:endParaRPr kumimoji="1" lang="ja-JP" altLang="en-US"/>
           </a:p>
@@ -1605,7 +1695,7 @@
           <a:p>
             <a:fld id="{0E02A643-9BB0-4E02-80B2-2C0A5E5D738E}" type="datetimeFigureOut">
               <a:rPr kumimoji="1" lang="ja-JP" altLang="en-US" smtClean="0"/>
-              <a:t>2019/4/9</a:t>
+              <a:t>2019/4/10</a:t>
             </a:fld>
             <a:endParaRPr kumimoji="1" lang="ja-JP" altLang="en-US"/>
           </a:p>
@@ -1823,7 +1913,7 @@
           <a:p>
             <a:fld id="{0E02A643-9BB0-4E02-80B2-2C0A5E5D738E}" type="datetimeFigureOut">
               <a:rPr kumimoji="1" lang="ja-JP" altLang="en-US" smtClean="0"/>
-              <a:t>2019/4/9</a:t>
+              <a:t>2019/4/10</a:t>
             </a:fld>
             <a:endParaRPr kumimoji="1" lang="ja-JP" altLang="en-US"/>
           </a:p>
@@ -2166,7 +2256,7 @@
           <a:p>
             <a:fld id="{0E02A643-9BB0-4E02-80B2-2C0A5E5D738E}" type="datetimeFigureOut">
               <a:rPr kumimoji="1" lang="ja-JP" altLang="en-US" smtClean="0"/>
-              <a:t>2019/4/9</a:t>
+              <a:t>2019/4/10</a:t>
             </a:fld>
             <a:endParaRPr kumimoji="1" lang="ja-JP" altLang="en-US"/>
           </a:p>
@@ -2505,7 +2595,7 @@
           <a:p>
             <a:fld id="{0E02A643-9BB0-4E02-80B2-2C0A5E5D738E}" type="datetimeFigureOut">
               <a:rPr kumimoji="1" lang="ja-JP" altLang="en-US" smtClean="0"/>
-              <a:t>2019/4/9</a:t>
+              <a:t>2019/4/10</a:t>
             </a:fld>
             <a:endParaRPr kumimoji="1" lang="ja-JP" altLang="en-US"/>
           </a:p>
@@ -2948,7 +3038,7 @@
           <a:p>
             <a:fld id="{0E02A643-9BB0-4E02-80B2-2C0A5E5D738E}" type="datetimeFigureOut">
               <a:rPr kumimoji="1" lang="ja-JP" altLang="en-US" smtClean="0"/>
-              <a:t>2019/4/9</a:t>
+              <a:t>2019/4/10</a:t>
             </a:fld>
             <a:endParaRPr kumimoji="1" lang="ja-JP" altLang="en-US"/>
           </a:p>
@@ -3066,7 +3156,7 @@
           <a:p>
             <a:fld id="{0E02A643-9BB0-4E02-80B2-2C0A5E5D738E}" type="datetimeFigureOut">
               <a:rPr kumimoji="1" lang="ja-JP" altLang="en-US" smtClean="0"/>
-              <a:t>2019/4/9</a:t>
+              <a:t>2019/4/10</a:t>
             </a:fld>
             <a:endParaRPr kumimoji="1" lang="ja-JP" altLang="en-US"/>
           </a:p>
@@ -3237,7 +3327,7 @@
           <a:p>
             <a:fld id="{0E02A643-9BB0-4E02-80B2-2C0A5E5D738E}" type="datetimeFigureOut">
               <a:rPr kumimoji="1" lang="ja-JP" altLang="en-US" smtClean="0"/>
-              <a:t>2019/4/9</a:t>
+              <a:t>2019/4/10</a:t>
             </a:fld>
             <a:endParaRPr kumimoji="1" lang="ja-JP" altLang="en-US"/>
           </a:p>
@@ -3623,7 +3713,7 @@
           <a:p>
             <a:fld id="{0E02A643-9BB0-4E02-80B2-2C0A5E5D738E}" type="datetimeFigureOut">
               <a:rPr kumimoji="1" lang="ja-JP" altLang="en-US" smtClean="0"/>
-              <a:t>2019/4/9</a:t>
+              <a:t>2019/4/10</a:t>
             </a:fld>
             <a:endParaRPr kumimoji="1" lang="ja-JP" altLang="en-US"/>
           </a:p>
@@ -4000,7 +4090,7 @@
           <a:p>
             <a:fld id="{0E02A643-9BB0-4E02-80B2-2C0A5E5D738E}" type="datetimeFigureOut">
               <a:rPr kumimoji="1" lang="ja-JP" altLang="en-US" smtClean="0"/>
-              <a:t>2019/4/9</a:t>
+              <a:t>2019/4/10</a:t>
             </a:fld>
             <a:endParaRPr kumimoji="1" lang="ja-JP" altLang="en-US"/>
           </a:p>
@@ -4319,7 +4409,7 @@
           <a:p>
             <a:fld id="{0E02A643-9BB0-4E02-80B2-2C0A5E5D738E}" type="datetimeFigureOut">
               <a:rPr kumimoji="1" lang="ja-JP" altLang="en-US" smtClean="0"/>
-              <a:t>2019/4/9</a:t>
+              <a:t>2019/4/10</a:t>
             </a:fld>
             <a:endParaRPr kumimoji="1" lang="ja-JP" altLang="en-US"/>
           </a:p>
@@ -5200,14 +5290,14 @@
                 <a:gridCol w="1759688">
                   <a:extLst>
                     <a:ext uri="{9D8B030D-6E8A-4147-A177-3AD203B41FA5}">
-                      <a16:colId xmlns:a16="http://schemas.microsoft.com/office/drawing/2014/main" xmlns="" val="20000"/>
+                      <a16:colId xmlns="" xmlns:a16="http://schemas.microsoft.com/office/drawing/2014/main" val="20000"/>
                     </a:ext>
                   </a:extLst>
                 </a:gridCol>
                 <a:gridCol w="1759688">
                   <a:extLst>
                     <a:ext uri="{9D8B030D-6E8A-4147-A177-3AD203B41FA5}">
-                      <a16:colId xmlns:a16="http://schemas.microsoft.com/office/drawing/2014/main" xmlns="" val="20001"/>
+                      <a16:colId xmlns="" xmlns:a16="http://schemas.microsoft.com/office/drawing/2014/main" val="20001"/>
                     </a:ext>
                   </a:extLst>
                 </a:gridCol>
@@ -5321,7 +5411,7 @@
                 </a:tc>
                 <a:extLst>
                   <a:ext uri="{0D108BD9-81ED-4DB2-BD59-A6C34878D82A}">
-                    <a16:rowId xmlns:a16="http://schemas.microsoft.com/office/drawing/2014/main" xmlns="" val="10000"/>
+                    <a16:rowId xmlns="" xmlns:a16="http://schemas.microsoft.com/office/drawing/2014/main" val="10000"/>
                   </a:ext>
                 </a:extLst>
               </a:tr>
@@ -5434,7 +5524,7 @@
                 </a:tc>
                 <a:extLst>
                   <a:ext uri="{0D108BD9-81ED-4DB2-BD59-A6C34878D82A}">
-                    <a16:rowId xmlns:a16="http://schemas.microsoft.com/office/drawing/2014/main" xmlns="" val="10001"/>
+                    <a16:rowId xmlns="" xmlns:a16="http://schemas.microsoft.com/office/drawing/2014/main" val="10001"/>
                   </a:ext>
                 </a:extLst>
               </a:tr>
@@ -5547,7 +5637,7 @@
                 </a:tc>
                 <a:extLst>
                   <a:ext uri="{0D108BD9-81ED-4DB2-BD59-A6C34878D82A}">
-                    <a16:rowId xmlns:a16="http://schemas.microsoft.com/office/drawing/2014/main" xmlns="" val="10002"/>
+                    <a16:rowId xmlns="" xmlns:a16="http://schemas.microsoft.com/office/drawing/2014/main" val="10002"/>
                   </a:ext>
                 </a:extLst>
               </a:tr>
@@ -5560,7 +5650,7 @@
           <p:cNvPr id="5" name="角丸四角形吹き出し 4">
             <a:extLst>
               <a:ext uri="{FF2B5EF4-FFF2-40B4-BE49-F238E27FC236}">
-                <a16:creationId xmlns:a16="http://schemas.microsoft.com/office/drawing/2014/main" xmlns="" id="{7C4A849C-C639-B545-964A-5A275C1AAF89}"/>
+                <a16:creationId xmlns="" xmlns:a16="http://schemas.microsoft.com/office/drawing/2014/main" id="{7C4A849C-C639-B545-964A-5A275C1AAF89}"/>
               </a:ext>
             </a:extLst>
           </p:cNvPr>
@@ -5620,7 +5710,7 @@
           <p:cNvPr id="7" name="右矢印 6">
             <a:extLst>
               <a:ext uri="{FF2B5EF4-FFF2-40B4-BE49-F238E27FC236}">
-                <a16:creationId xmlns:a16="http://schemas.microsoft.com/office/drawing/2014/main" xmlns="" id="{191281F6-2AFD-2A49-8229-5047A536ECBE}"/>
+                <a16:creationId xmlns="" xmlns:a16="http://schemas.microsoft.com/office/drawing/2014/main" id="{191281F6-2AFD-2A49-8229-5047A536ECBE}"/>
               </a:ext>
             </a:extLst>
           </p:cNvPr>
@@ -5666,7 +5756,7 @@
           <p:cNvPr id="8" name="角丸四角形吹き出し 7">
             <a:extLst>
               <a:ext uri="{FF2B5EF4-FFF2-40B4-BE49-F238E27FC236}">
-                <a16:creationId xmlns:a16="http://schemas.microsoft.com/office/drawing/2014/main" xmlns="" id="{7C4A849C-C639-B545-964A-5A275C1AAF89}"/>
+                <a16:creationId xmlns="" xmlns:a16="http://schemas.microsoft.com/office/drawing/2014/main" id="{7C4A849C-C639-B545-964A-5A275C1AAF89}"/>
               </a:ext>
             </a:extLst>
           </p:cNvPr>
@@ -5825,14 +5915,14 @@
                 <a:gridCol w="1759688">
                   <a:extLst>
                     <a:ext uri="{9D8B030D-6E8A-4147-A177-3AD203B41FA5}">
-                      <a16:colId xmlns:a16="http://schemas.microsoft.com/office/drawing/2014/main" xmlns="" val="20000"/>
+                      <a16:colId xmlns="" xmlns:a16="http://schemas.microsoft.com/office/drawing/2014/main" val="20000"/>
                     </a:ext>
                   </a:extLst>
                 </a:gridCol>
                 <a:gridCol w="1759688">
                   <a:extLst>
                     <a:ext uri="{9D8B030D-6E8A-4147-A177-3AD203B41FA5}">
-                      <a16:colId xmlns:a16="http://schemas.microsoft.com/office/drawing/2014/main" xmlns="" val="20001"/>
+                      <a16:colId xmlns="" xmlns:a16="http://schemas.microsoft.com/office/drawing/2014/main" val="20001"/>
                     </a:ext>
                   </a:extLst>
                 </a:gridCol>
@@ -5946,7 +6036,7 @@
                 </a:tc>
                 <a:extLst>
                   <a:ext uri="{0D108BD9-81ED-4DB2-BD59-A6C34878D82A}">
-                    <a16:rowId xmlns:a16="http://schemas.microsoft.com/office/drawing/2014/main" xmlns="" val="10000"/>
+                    <a16:rowId xmlns="" xmlns:a16="http://schemas.microsoft.com/office/drawing/2014/main" val="10000"/>
                   </a:ext>
                 </a:extLst>
               </a:tr>
@@ -6059,7 +6149,7 @@
                 </a:tc>
                 <a:extLst>
                   <a:ext uri="{0D108BD9-81ED-4DB2-BD59-A6C34878D82A}">
-                    <a16:rowId xmlns:a16="http://schemas.microsoft.com/office/drawing/2014/main" xmlns="" val="10001"/>
+                    <a16:rowId xmlns="" xmlns:a16="http://schemas.microsoft.com/office/drawing/2014/main" val="10001"/>
                   </a:ext>
                 </a:extLst>
               </a:tr>
@@ -6172,7 +6262,7 @@
                 </a:tc>
                 <a:extLst>
                   <a:ext uri="{0D108BD9-81ED-4DB2-BD59-A6C34878D82A}">
-                    <a16:rowId xmlns:a16="http://schemas.microsoft.com/office/drawing/2014/main" xmlns="" val="10002"/>
+                    <a16:rowId xmlns="" xmlns:a16="http://schemas.microsoft.com/office/drawing/2014/main" val="10002"/>
                   </a:ext>
                 </a:extLst>
               </a:tr>
@@ -6966,7 +7056,7 @@
           <p:cNvPr id="2" name="タイトル 1">
             <a:extLst>
               <a:ext uri="{FF2B5EF4-FFF2-40B4-BE49-F238E27FC236}">
-                <a16:creationId xmlns="" xmlns:a16="http://schemas.microsoft.com/office/drawing/2014/main" id="{016F734A-24FF-C84E-9FFB-4573DBE9D77A}"/>
+                <a16:creationId xmlns:a16="http://schemas.microsoft.com/office/drawing/2014/main" xmlns="" id="{016F734A-24FF-C84E-9FFB-4573DBE9D77A}"/>
               </a:ext>
             </a:extLst>
           </p:cNvPr>
@@ -6995,7 +7085,7 @@
           <p:cNvPr id="3" name="コンテンツ プレースホルダー 2">
             <a:extLst>
               <a:ext uri="{FF2B5EF4-FFF2-40B4-BE49-F238E27FC236}">
-                <a16:creationId xmlns="" xmlns:a16="http://schemas.microsoft.com/office/drawing/2014/main" id="{B43A4BB1-C877-F449-B9D1-75A8406375A9}"/>
+                <a16:creationId xmlns:a16="http://schemas.microsoft.com/office/drawing/2014/main" xmlns="" id="{B43A4BB1-C877-F449-B9D1-75A8406375A9}"/>
               </a:ext>
             </a:extLst>
           </p:cNvPr>
@@ -8817,13 +8907,6 @@
               </a:rPr>
               <a:t>Sub</a:t>
             </a:r>
-            <a:endParaRPr lang="en-US" altLang="ja-JP" sz="1400" dirty="0">
-              <a:solidFill>
-                <a:srgbClr val="0070C0"/>
-              </a:solidFill>
-              <a:latin typeface="ＭＳ ゴシック" panose="020B0609070205080204" pitchFamily="49" charset="-128"/>
-              <a:ea typeface="ＭＳ ゴシック" panose="020B0609070205080204" pitchFamily="49" charset="-128"/>
-            </a:endParaRPr>
           </a:p>
         </p:txBody>
       </p:sp>
@@ -8876,7 +8959,7 @@
           <p:cNvPr id="5" name="角丸四角形吹き出し 4">
             <a:extLst>
               <a:ext uri="{FF2B5EF4-FFF2-40B4-BE49-F238E27FC236}">
-                <a16:creationId xmlns:a16="http://schemas.microsoft.com/office/drawing/2014/main" xmlns="" id="{7C4A849C-C639-B545-964A-5A275C1AAF89}"/>
+                <a16:creationId xmlns="" xmlns:a16="http://schemas.microsoft.com/office/drawing/2014/main" id="{7C4A849C-C639-B545-964A-5A275C1AAF89}"/>
               </a:ext>
             </a:extLst>
           </p:cNvPr>
@@ -8986,7 +9069,7 @@
           <p:cNvPr id="2" name="タイトル 1">
             <a:extLst>
               <a:ext uri="{FF2B5EF4-FFF2-40B4-BE49-F238E27FC236}">
-                <a16:creationId xmlns="" xmlns:a16="http://schemas.microsoft.com/office/drawing/2014/main" id="{EFD7A861-05A9-7A46-98F3-9D64FFEE2A43}"/>
+                <a16:creationId xmlns:a16="http://schemas.microsoft.com/office/drawing/2014/main" xmlns="" id="{EFD7A861-05A9-7A46-98F3-9D64FFEE2A43}"/>
               </a:ext>
             </a:extLst>
           </p:cNvPr>
@@ -9015,7 +9098,7 @@
           <p:cNvPr id="3" name="テキスト プレースホルダー 2">
             <a:extLst>
               <a:ext uri="{FF2B5EF4-FFF2-40B4-BE49-F238E27FC236}">
-                <a16:creationId xmlns="" xmlns:a16="http://schemas.microsoft.com/office/drawing/2014/main" id="{13504C08-FAF4-D341-87C7-7921D878830A}"/>
+                <a16:creationId xmlns:a16="http://schemas.microsoft.com/office/drawing/2014/main" xmlns="" id="{13504C08-FAF4-D341-87C7-7921D878830A}"/>
               </a:ext>
             </a:extLst>
           </p:cNvPr>
@@ -9170,7 +9253,7 @@
           <p:cNvPr id="8" name="右矢印 7">
             <a:extLst>
               <a:ext uri="{FF2B5EF4-FFF2-40B4-BE49-F238E27FC236}">
-                <a16:creationId xmlns:a16="http://schemas.microsoft.com/office/drawing/2014/main" xmlns="" id="{191281F6-2AFD-2A49-8229-5047A536ECBE}"/>
+                <a16:creationId xmlns="" xmlns:a16="http://schemas.microsoft.com/office/drawing/2014/main" id="{191281F6-2AFD-2A49-8229-5047A536ECBE}"/>
               </a:ext>
             </a:extLst>
           </p:cNvPr>
@@ -9216,7 +9299,7 @@
           <p:cNvPr id="9" name="角丸四角形吹き出し 8">
             <a:extLst>
               <a:ext uri="{FF2B5EF4-FFF2-40B4-BE49-F238E27FC236}">
-                <a16:creationId xmlns:a16="http://schemas.microsoft.com/office/drawing/2014/main" xmlns="" id="{7C4A849C-C639-B545-964A-5A275C1AAF89}"/>
+                <a16:creationId xmlns="" xmlns:a16="http://schemas.microsoft.com/office/drawing/2014/main" id="{7C4A849C-C639-B545-964A-5A275C1AAF89}"/>
               </a:ext>
             </a:extLst>
           </p:cNvPr>
@@ -9268,7 +9351,7 @@
           <p:cNvPr id="10" name="角丸四角形吹き出し 9">
             <a:extLst>
               <a:ext uri="{FF2B5EF4-FFF2-40B4-BE49-F238E27FC236}">
-                <a16:creationId xmlns:a16="http://schemas.microsoft.com/office/drawing/2014/main" xmlns="" id="{7C4A849C-C639-B545-964A-5A275C1AAF89}"/>
+                <a16:creationId xmlns="" xmlns:a16="http://schemas.microsoft.com/office/drawing/2014/main" id="{7C4A849C-C639-B545-964A-5A275C1AAF89}"/>
               </a:ext>
             </a:extLst>
           </p:cNvPr>
@@ -9395,10 +9478,382 @@
           <a:bodyPr/>
           <a:lstStyle/>
           <a:p>
-            <a:endParaRPr kumimoji="1" lang="ja-JP" altLang="en-US"/>
+            <a:pPr marL="457200" indent="-457200">
+              <a:buFont typeface="+mj-lt"/>
+              <a:buAutoNum type="arabicPeriod"/>
+            </a:pPr>
+            <a:r>
+              <a:rPr kumimoji="1" lang="ja-JP" altLang="en-US" dirty="0" smtClean="0"/>
+              <a:t>一覧表ファイルにマクロを作成</a:t>
+            </a:r>
+            <a:endParaRPr kumimoji="1" lang="en-US" altLang="ja-JP" dirty="0" smtClean="0"/>
+          </a:p>
+          <a:p>
+            <a:pPr marL="749808" lvl="1" indent="-457200"/>
+            <a:r>
+              <a:rPr lang="en-US" altLang="ja-JP" dirty="0"/>
+              <a:t>Expense_Claim_List.xlsm</a:t>
+            </a:r>
+            <a:endParaRPr kumimoji="1" lang="en-US" altLang="ja-JP" dirty="0" smtClean="0"/>
+          </a:p>
+          <a:p>
+            <a:pPr marL="457200" indent="-457200">
+              <a:buFont typeface="+mj-lt"/>
+              <a:buAutoNum type="arabicPeriod"/>
+            </a:pPr>
+            <a:r>
+              <a:rPr lang="ja-JP" altLang="en-US" dirty="0"/>
+              <a:t>マクロ</a:t>
+            </a:r>
+            <a:r>
+              <a:rPr lang="ja-JP" altLang="en-US" dirty="0" smtClean="0"/>
+              <a:t>から立替経費精算表一式のファイルを開き、一覧表シートに転記</a:t>
+            </a:r>
+            <a:endParaRPr lang="en-US" altLang="ja-JP" dirty="0" smtClean="0"/>
+          </a:p>
+          <a:p>
+            <a:pPr marL="749808" lvl="1" indent="-457200"/>
+            <a:r>
+              <a:rPr lang="en-US" altLang="ja-JP" dirty="0" smtClean="0"/>
+              <a:t>Expense_Claims_Mar2019.xlsx</a:t>
+            </a:r>
           </a:p>
         </p:txBody>
       </p:sp>
+      <p:pic>
+        <p:nvPicPr>
+          <p:cNvPr id="6" name="図 5"/>
+          <p:cNvPicPr>
+            <a:picLocks noChangeAspect="1"/>
+          </p:cNvPicPr>
+          <p:nvPr/>
+        </p:nvPicPr>
+        <p:blipFill rotWithShape="1">
+          <a:blip r:embed="rId2"/>
+          <a:srcRect r="20372"/>
+          <a:stretch/>
+        </p:blipFill>
+        <p:spPr>
+          <a:xfrm>
+            <a:off x="2025697" y="4821791"/>
+            <a:ext cx="2958336" cy="1007071"/>
+          </a:xfrm>
+          <a:prstGeom prst="rect">
+            <a:avLst/>
+          </a:prstGeom>
+          <a:ln>
+            <a:solidFill>
+              <a:schemeClr val="tx1"/>
+            </a:solidFill>
+          </a:ln>
+        </p:spPr>
+      </p:pic>
+      <p:pic>
+        <p:nvPicPr>
+          <p:cNvPr id="7" name="図 6"/>
+          <p:cNvPicPr>
+            <a:picLocks noChangeAspect="1"/>
+          </p:cNvPicPr>
+          <p:nvPr/>
+        </p:nvPicPr>
+        <p:blipFill>
+          <a:blip r:embed="rId3"/>
+          <a:stretch>
+            <a:fillRect/>
+          </a:stretch>
+        </p:blipFill>
+        <p:spPr>
+          <a:xfrm>
+            <a:off x="781781" y="4095470"/>
+            <a:ext cx="1394583" cy="1594650"/>
+          </a:xfrm>
+          <a:prstGeom prst="rect">
+            <a:avLst/>
+          </a:prstGeom>
+        </p:spPr>
+      </p:pic>
+      <p:sp>
+        <p:nvSpPr>
+          <p:cNvPr id="8" name="テキスト ボックス 7"/>
+          <p:cNvSpPr txBox="1"/>
+          <p:nvPr/>
+        </p:nvSpPr>
+        <p:spPr>
+          <a:xfrm>
+            <a:off x="1088764" y="5873363"/>
+            <a:ext cx="2700671" cy="369332"/>
+          </a:xfrm>
+          <a:prstGeom prst="rect">
+            <a:avLst/>
+          </a:prstGeom>
+          <a:noFill/>
+        </p:spPr>
+        <p:txBody>
+          <a:bodyPr wrap="square" rtlCol="0">
+            <a:spAutoFit/>
+          </a:bodyPr>
+          <a:lstStyle/>
+          <a:p>
+            <a:r>
+              <a:rPr lang="en-US" altLang="ja-JP" dirty="0" smtClean="0"/>
+              <a:t>Expense_Claim_List.xlsm</a:t>
+            </a:r>
+            <a:endParaRPr kumimoji="1" lang="ja-JP" altLang="en-US" dirty="0"/>
+          </a:p>
+        </p:txBody>
+      </p:sp>
+      <p:pic>
+        <p:nvPicPr>
+          <p:cNvPr id="10" name="図 9"/>
+          <p:cNvPicPr>
+            <a:picLocks noChangeAspect="1"/>
+          </p:cNvPicPr>
+          <p:nvPr/>
+        </p:nvPicPr>
+        <p:blipFill>
+          <a:blip r:embed="rId4"/>
+          <a:stretch>
+            <a:fillRect/>
+          </a:stretch>
+        </p:blipFill>
+        <p:spPr>
+          <a:xfrm>
+            <a:off x="8367378" y="4095470"/>
+            <a:ext cx="1331372" cy="1356594"/>
+          </a:xfrm>
+          <a:prstGeom prst="rect">
+            <a:avLst/>
+          </a:prstGeom>
+          <a:ln>
+            <a:solidFill>
+              <a:schemeClr val="tx1"/>
+            </a:solidFill>
+          </a:ln>
+        </p:spPr>
+      </p:pic>
+      <p:pic>
+        <p:nvPicPr>
+          <p:cNvPr id="11" name="図 10"/>
+          <p:cNvPicPr>
+            <a:picLocks noChangeAspect="1"/>
+          </p:cNvPicPr>
+          <p:nvPr/>
+        </p:nvPicPr>
+        <p:blipFill>
+          <a:blip r:embed="rId4"/>
+          <a:stretch>
+            <a:fillRect/>
+          </a:stretch>
+        </p:blipFill>
+        <p:spPr>
+          <a:xfrm>
+            <a:off x="8519778" y="4247870"/>
+            <a:ext cx="1331372" cy="1356594"/>
+          </a:xfrm>
+          <a:prstGeom prst="rect">
+            <a:avLst/>
+          </a:prstGeom>
+          <a:ln>
+            <a:solidFill>
+              <a:schemeClr val="tx1"/>
+            </a:solidFill>
+          </a:ln>
+        </p:spPr>
+      </p:pic>
+      <p:pic>
+        <p:nvPicPr>
+          <p:cNvPr id="12" name="図 11"/>
+          <p:cNvPicPr>
+            <a:picLocks noChangeAspect="1"/>
+          </p:cNvPicPr>
+          <p:nvPr/>
+        </p:nvPicPr>
+        <p:blipFill>
+          <a:blip r:embed="rId4"/>
+          <a:stretch>
+            <a:fillRect/>
+          </a:stretch>
+        </p:blipFill>
+        <p:spPr>
+          <a:xfrm>
+            <a:off x="8672178" y="4400270"/>
+            <a:ext cx="1331372" cy="1356594"/>
+          </a:xfrm>
+          <a:prstGeom prst="rect">
+            <a:avLst/>
+          </a:prstGeom>
+          <a:ln>
+            <a:solidFill>
+              <a:schemeClr val="tx1"/>
+            </a:solidFill>
+          </a:ln>
+        </p:spPr>
+      </p:pic>
+      <p:pic>
+        <p:nvPicPr>
+          <p:cNvPr id="13" name="図 12"/>
+          <p:cNvPicPr>
+            <a:picLocks noChangeAspect="1"/>
+          </p:cNvPicPr>
+          <p:nvPr/>
+        </p:nvPicPr>
+        <p:blipFill>
+          <a:blip r:embed="rId4"/>
+          <a:stretch>
+            <a:fillRect/>
+          </a:stretch>
+        </p:blipFill>
+        <p:spPr>
+          <a:xfrm>
+            <a:off x="8824578" y="4552670"/>
+            <a:ext cx="1331372" cy="1356594"/>
+          </a:xfrm>
+          <a:prstGeom prst="rect">
+            <a:avLst/>
+          </a:prstGeom>
+          <a:ln>
+            <a:solidFill>
+              <a:schemeClr val="tx1"/>
+            </a:solidFill>
+          </a:ln>
+        </p:spPr>
+      </p:pic>
+      <p:pic>
+        <p:nvPicPr>
+          <p:cNvPr id="14" name="図 13"/>
+          <p:cNvPicPr>
+            <a:picLocks noChangeAspect="1"/>
+          </p:cNvPicPr>
+          <p:nvPr/>
+        </p:nvPicPr>
+        <p:blipFill>
+          <a:blip r:embed="rId5"/>
+          <a:stretch>
+            <a:fillRect/>
+          </a:stretch>
+        </p:blipFill>
+        <p:spPr>
+          <a:xfrm>
+            <a:off x="7367648" y="3432587"/>
+            <a:ext cx="1352394" cy="1562908"/>
+          </a:xfrm>
+          <a:prstGeom prst="rect">
+            <a:avLst/>
+          </a:prstGeom>
+        </p:spPr>
+      </p:pic>
+      <p:sp>
+        <p:nvSpPr>
+          <p:cNvPr id="15" name="テキスト ボックス 14"/>
+          <p:cNvSpPr txBox="1"/>
+          <p:nvPr/>
+        </p:nvSpPr>
+        <p:spPr>
+          <a:xfrm>
+            <a:off x="6994448" y="5930281"/>
+            <a:ext cx="4077232" cy="369332"/>
+          </a:xfrm>
+          <a:prstGeom prst="rect">
+            <a:avLst/>
+          </a:prstGeom>
+          <a:noFill/>
+        </p:spPr>
+        <p:txBody>
+          <a:bodyPr wrap="square" rtlCol="0">
+            <a:spAutoFit/>
+          </a:bodyPr>
+          <a:lstStyle/>
+          <a:p>
+            <a:pPr marL="749808" lvl="1" indent="-457200"/>
+            <a:r>
+              <a:rPr lang="en-US" altLang="ja-JP" dirty="0"/>
+              <a:t>Expense_Claims_Mar2019.xlsx</a:t>
+            </a:r>
+          </a:p>
+        </p:txBody>
+      </p:sp>
+      <p:pic>
+        <p:nvPicPr>
+          <p:cNvPr id="16" name="図 15"/>
+          <p:cNvPicPr>
+            <a:picLocks noChangeAspect="1" noChangeArrowheads="1"/>
+          </p:cNvPicPr>
+          <p:nvPr/>
+        </p:nvPicPr>
+        <p:blipFill>
+          <a:blip r:embed="rId6">
+            <a:extLst>
+              <a:ext uri="{28A0092B-C50C-407E-A947-70E740481C1C}">
+                <a14:useLocalDpi xmlns:a14="http://schemas.microsoft.com/office/drawing/2010/main" val="0"/>
+              </a:ext>
+            </a:extLst>
+          </a:blip>
+          <a:srcRect/>
+          <a:stretch>
+            <a:fillRect/>
+          </a:stretch>
+        </p:blipFill>
+        <p:spPr bwMode="auto">
+          <a:xfrm>
+            <a:off x="3970301" y="3851295"/>
+            <a:ext cx="951717" cy="925995"/>
+          </a:xfrm>
+          <a:prstGeom prst="rect">
+            <a:avLst/>
+          </a:prstGeom>
+          <a:noFill/>
+          <a:extLst>
+            <a:ext uri="{909E8E84-426E-40DD-AFC4-6F175D3DCCD1}">
+              <a14:hiddenFill xmlns:a14="http://schemas.microsoft.com/office/drawing/2010/main">
+                <a:solidFill>
+                  <a:srgbClr val="FFFFFF"/>
+                </a:solidFill>
+              </a14:hiddenFill>
+            </a:ext>
+          </a:extLst>
+        </p:spPr>
+      </p:pic>
+      <p:cxnSp>
+        <p:nvCxnSpPr>
+          <p:cNvPr id="18" name="曲線コネクタ 17"/>
+          <p:cNvCxnSpPr>
+            <a:stCxn id="16" idx="3"/>
+            <a:endCxn id="6" idx="3"/>
+          </p:cNvCxnSpPr>
+          <p:nvPr/>
+        </p:nvCxnSpPr>
+        <p:spPr>
+          <a:xfrm>
+            <a:off x="4922018" y="4314293"/>
+            <a:ext cx="62015" cy="1011034"/>
+          </a:xfrm>
+          <a:prstGeom prst="curvedConnector3">
+            <a:avLst>
+              <a:gd name="adj1" fmla="val 4720614"/>
+            </a:avLst>
+          </a:prstGeom>
+          <a:ln w="47625">
+            <a:solidFill>
+              <a:srgbClr val="FF0000"/>
+            </a:solidFill>
+            <a:tailEnd type="triangle"/>
+          </a:ln>
+        </p:spPr>
+        <p:style>
+          <a:lnRef idx="1">
+            <a:schemeClr val="accent1"/>
+          </a:lnRef>
+          <a:fillRef idx="0">
+            <a:schemeClr val="accent1"/>
+          </a:fillRef>
+          <a:effectRef idx="0">
+            <a:schemeClr val="accent1"/>
+          </a:effectRef>
+          <a:fontRef idx="minor">
+            <a:schemeClr val="tx1"/>
+          </a:fontRef>
+        </p:style>
+      </p:cxnSp>
     </p:spTree>
     <p:extLst>
       <p:ext uri="{BB962C8B-B14F-4D97-AF65-F5344CB8AC3E}">
@@ -9413,6 +9868,474 @@
 </file>
 
 <file path=ppt/slides/slide16.xml><?xml version="1.0" encoding="utf-8"?>
+<p:sld xmlns:a="http://schemas.openxmlformats.org/drawingml/2006/main" xmlns:r="http://schemas.openxmlformats.org/officeDocument/2006/relationships" xmlns:p="http://schemas.openxmlformats.org/presentationml/2006/main">
+  <p:cSld>
+    <p:spTree>
+      <p:nvGrpSpPr>
+        <p:cNvPr id="1" name=""/>
+        <p:cNvGrpSpPr/>
+        <p:nvPr/>
+      </p:nvGrpSpPr>
+      <p:grpSpPr>
+        <a:xfrm>
+          <a:off x="0" y="0"/>
+          <a:ext cx="0" cy="0"/>
+          <a:chOff x="0" y="0"/>
+          <a:chExt cx="0" cy="0"/>
+        </a:xfrm>
+      </p:grpSpPr>
+      <p:sp>
+        <p:nvSpPr>
+          <p:cNvPr id="2" name="タイトル 1"/>
+          <p:cNvSpPr>
+            <a:spLocks noGrp="1"/>
+          </p:cNvSpPr>
+          <p:nvPr>
+            <p:ph type="title"/>
+          </p:nvPr>
+        </p:nvSpPr>
+        <p:spPr/>
+        <p:txBody>
+          <a:bodyPr/>
+          <a:lstStyle/>
+          <a:p>
+            <a:r>
+              <a:rPr lang="ja-JP" altLang="en-US" dirty="0"/>
+              <a:t>処理</a:t>
+            </a:r>
+            <a:r>
+              <a:rPr lang="ja-JP" altLang="en-US" dirty="0" smtClean="0"/>
+              <a:t>の</a:t>
+            </a:r>
+            <a:r>
+              <a:rPr lang="ja-JP" altLang="en-US" dirty="0"/>
+              <a:t>ポイント</a:t>
+            </a:r>
+            <a:endParaRPr kumimoji="1" lang="ja-JP" altLang="en-US" dirty="0"/>
+          </a:p>
+        </p:txBody>
+      </p:sp>
+      <p:sp>
+        <p:nvSpPr>
+          <p:cNvPr id="3" name="コンテンツ プレースホルダー 2"/>
+          <p:cNvSpPr>
+            <a:spLocks noGrp="1"/>
+          </p:cNvSpPr>
+          <p:nvPr>
+            <p:ph idx="1"/>
+          </p:nvPr>
+        </p:nvSpPr>
+        <p:spPr/>
+        <p:txBody>
+          <a:bodyPr/>
+          <a:lstStyle/>
+          <a:p>
+            <a:pPr marL="457200" indent="-457200">
+              <a:buFont typeface="+mj-lt"/>
+              <a:buAutoNum type="arabicPeriod"/>
+            </a:pPr>
+            <a:r>
+              <a:rPr kumimoji="1" lang="en-US" altLang="ja-JP" dirty="0" smtClean="0"/>
+              <a:t>Excel</a:t>
+            </a:r>
+            <a:r>
+              <a:rPr kumimoji="1" lang="ja-JP" altLang="en-US" dirty="0" smtClean="0"/>
+              <a:t>ファイルを開く</a:t>
+            </a:r>
+            <a:r>
+              <a:rPr lang="ja-JP" altLang="en-US" dirty="0" smtClean="0"/>
+              <a:t>・閉じる</a:t>
+            </a:r>
+            <a:endParaRPr lang="en-US" altLang="ja-JP" dirty="0" smtClean="0"/>
+          </a:p>
+          <a:p>
+            <a:pPr marL="457200" indent="-457200">
+              <a:buFont typeface="+mj-lt"/>
+              <a:buAutoNum type="arabicPeriod"/>
+            </a:pPr>
+            <a:r>
+              <a:rPr kumimoji="1" lang="ja-JP" altLang="en-US" dirty="0" smtClean="0"/>
+              <a:t>ワーク</a:t>
+            </a:r>
+            <a:r>
+              <a:rPr kumimoji="1" lang="ja-JP" altLang="en-US" dirty="0"/>
+              <a:t>シート</a:t>
+            </a:r>
+            <a:r>
+              <a:rPr kumimoji="1" lang="ja-JP" altLang="en-US" dirty="0" smtClean="0"/>
+              <a:t>を切り替える</a:t>
+            </a:r>
+            <a:endParaRPr kumimoji="1" lang="en-US" altLang="ja-JP" dirty="0" smtClean="0"/>
+          </a:p>
+          <a:p>
+            <a:pPr marL="457200" indent="-457200">
+              <a:buFont typeface="+mj-lt"/>
+              <a:buAutoNum type="arabicPeriod"/>
+            </a:pPr>
+            <a:endParaRPr kumimoji="1" lang="ja-JP" altLang="en-US" dirty="0"/>
+          </a:p>
+        </p:txBody>
+      </p:sp>
+    </p:spTree>
+    <p:extLst>
+      <p:ext uri="{BB962C8B-B14F-4D97-AF65-F5344CB8AC3E}">
+        <p14:creationId xmlns:p14="http://schemas.microsoft.com/office/powerpoint/2010/main" val="3028836888"/>
+      </p:ext>
+    </p:extLst>
+  </p:cSld>
+  <p:clrMapOvr>
+    <a:masterClrMapping/>
+  </p:clrMapOvr>
+</p:sld>
+</file>
+
+<file path=ppt/slides/slide17.xml><?xml version="1.0" encoding="utf-8"?>
+<p:sld xmlns:a="http://schemas.openxmlformats.org/drawingml/2006/main" xmlns:r="http://schemas.openxmlformats.org/officeDocument/2006/relationships" xmlns:p="http://schemas.openxmlformats.org/presentationml/2006/main">
+  <p:cSld>
+    <p:spTree>
+      <p:nvGrpSpPr>
+        <p:cNvPr id="1" name=""/>
+        <p:cNvGrpSpPr/>
+        <p:nvPr/>
+      </p:nvGrpSpPr>
+      <p:grpSpPr>
+        <a:xfrm>
+          <a:off x="0" y="0"/>
+          <a:ext cx="0" cy="0"/>
+          <a:chOff x="0" y="0"/>
+          <a:chExt cx="0" cy="0"/>
+        </a:xfrm>
+      </p:grpSpPr>
+      <p:sp>
+        <p:nvSpPr>
+          <p:cNvPr id="2" name="タイトル 1">
+            <a:extLst>
+              <a:ext uri="{FF2B5EF4-FFF2-40B4-BE49-F238E27FC236}">
+                <a16:creationId xmlns:a16="http://schemas.microsoft.com/office/drawing/2014/main" xmlns="" id="{EFD7A861-05A9-7A46-98F3-9D64FFEE2A43}"/>
+              </a:ext>
+            </a:extLst>
+          </p:cNvPr>
+          <p:cNvSpPr>
+            <a:spLocks noGrp="1"/>
+          </p:cNvSpPr>
+          <p:nvPr>
+            <p:ph type="title"/>
+          </p:nvPr>
+        </p:nvSpPr>
+        <p:spPr/>
+        <p:txBody>
+          <a:bodyPr/>
+          <a:lstStyle/>
+          <a:p>
+            <a:r>
+              <a:rPr kumimoji="1" lang="ja-JP" altLang="en-US" dirty="0" smtClean="0"/>
+              <a:t>ステップ</a:t>
+            </a:r>
+            <a:r>
+              <a:rPr kumimoji="1" lang="en-US" altLang="ja-JP" dirty="0" smtClean="0"/>
+              <a:t>1</a:t>
+            </a:r>
+            <a:endParaRPr kumimoji="1" lang="ja-JP" altLang="en-US" dirty="0"/>
+          </a:p>
+        </p:txBody>
+      </p:sp>
+      <p:sp>
+        <p:nvSpPr>
+          <p:cNvPr id="3" name="テキスト プレースホルダー 2">
+            <a:extLst>
+              <a:ext uri="{FF2B5EF4-FFF2-40B4-BE49-F238E27FC236}">
+                <a16:creationId xmlns:a16="http://schemas.microsoft.com/office/drawing/2014/main" xmlns="" id="{13504C08-FAF4-D341-87C7-7921D878830A}"/>
+              </a:ext>
+            </a:extLst>
+          </p:cNvPr>
+          <p:cNvSpPr>
+            <a:spLocks noGrp="1"/>
+          </p:cNvSpPr>
+          <p:nvPr>
+            <p:ph type="body" idx="1"/>
+          </p:nvPr>
+        </p:nvSpPr>
+        <p:spPr/>
+        <p:txBody>
+          <a:bodyPr/>
+          <a:lstStyle/>
+          <a:p>
+            <a:r>
+              <a:rPr kumimoji="1" lang="en-US" altLang="ja-JP" cap="none" dirty="0" smtClean="0"/>
+              <a:t>Excel</a:t>
+            </a:r>
+            <a:r>
+              <a:rPr lang="ja-JP" altLang="en-US" cap="none" dirty="0"/>
+              <a:t>ファイル</a:t>
+            </a:r>
+            <a:r>
+              <a:rPr lang="ja-JP" altLang="en-US" cap="none" dirty="0" smtClean="0"/>
+              <a:t>を開く・閉じる</a:t>
+            </a:r>
+            <a:endParaRPr kumimoji="1" lang="ja-JP" altLang="en-US" cap="none" dirty="0"/>
+          </a:p>
+        </p:txBody>
+      </p:sp>
+    </p:spTree>
+    <p:extLst>
+      <p:ext uri="{BB962C8B-B14F-4D97-AF65-F5344CB8AC3E}">
+        <p14:creationId xmlns:p14="http://schemas.microsoft.com/office/powerpoint/2010/main" val="1380593374"/>
+      </p:ext>
+    </p:extLst>
+  </p:cSld>
+  <p:clrMapOvr>
+    <a:masterClrMapping/>
+  </p:clrMapOvr>
+</p:sld>
+</file>
+
+<file path=ppt/slides/slide18.xml><?xml version="1.0" encoding="utf-8"?>
+<p:sld xmlns:a="http://schemas.openxmlformats.org/drawingml/2006/main" xmlns:r="http://schemas.openxmlformats.org/officeDocument/2006/relationships" xmlns:p="http://schemas.openxmlformats.org/presentationml/2006/main">
+  <p:cSld>
+    <p:spTree>
+      <p:nvGrpSpPr>
+        <p:cNvPr id="1" name=""/>
+        <p:cNvGrpSpPr/>
+        <p:nvPr/>
+      </p:nvGrpSpPr>
+      <p:grpSpPr>
+        <a:xfrm>
+          <a:off x="0" y="0"/>
+          <a:ext cx="0" cy="0"/>
+          <a:chOff x="0" y="0"/>
+          <a:chExt cx="0" cy="0"/>
+        </a:xfrm>
+      </p:grpSpPr>
+      <p:sp>
+        <p:nvSpPr>
+          <p:cNvPr id="2" name="タイトル 1"/>
+          <p:cNvSpPr>
+            <a:spLocks noGrp="1"/>
+          </p:cNvSpPr>
+          <p:nvPr>
+            <p:ph type="title"/>
+          </p:nvPr>
+        </p:nvSpPr>
+        <p:spPr/>
+        <p:txBody>
+          <a:bodyPr/>
+          <a:lstStyle/>
+          <a:p>
+            <a:r>
+              <a:rPr kumimoji="1" lang="en-US" altLang="ja-JP" dirty="0" smtClean="0"/>
+              <a:t>Excel</a:t>
+            </a:r>
+            <a:r>
+              <a:rPr kumimoji="1" lang="ja-JP" altLang="en-US" dirty="0" smtClean="0"/>
+              <a:t>ファイルの開き方</a:t>
+            </a:r>
+            <a:endParaRPr kumimoji="1" lang="ja-JP" altLang="en-US" dirty="0"/>
+          </a:p>
+        </p:txBody>
+      </p:sp>
+      <p:sp>
+        <p:nvSpPr>
+          <p:cNvPr id="3" name="コンテンツ プレースホルダー 2"/>
+          <p:cNvSpPr>
+            <a:spLocks noGrp="1"/>
+          </p:cNvSpPr>
+          <p:nvPr>
+            <p:ph idx="1"/>
+          </p:nvPr>
+        </p:nvSpPr>
+        <p:spPr/>
+        <p:txBody>
+          <a:bodyPr/>
+          <a:lstStyle/>
+          <a:p>
+            <a:r>
+              <a:rPr kumimoji="1" lang="en-US" altLang="ja-JP" dirty="0" err="1" smtClean="0"/>
+              <a:t>WorkBooks.Open</a:t>
+            </a:r>
+            <a:r>
+              <a:rPr kumimoji="1" lang="ja-JP" altLang="en-US" dirty="0" smtClean="0"/>
+              <a:t> メソッドを使う</a:t>
+            </a:r>
+            <a:endParaRPr kumimoji="1" lang="en-US" altLang="ja-JP" dirty="0" smtClean="0"/>
+          </a:p>
+          <a:p>
+            <a:endParaRPr kumimoji="1" lang="ja-JP" altLang="en-US" dirty="0"/>
+          </a:p>
+        </p:txBody>
+      </p:sp>
+      <p:sp>
+        <p:nvSpPr>
+          <p:cNvPr id="4" name="テキスト ボックス 3"/>
+          <p:cNvSpPr txBox="1"/>
+          <p:nvPr/>
+        </p:nvSpPr>
+        <p:spPr>
+          <a:xfrm>
+            <a:off x="1623060" y="2651760"/>
+            <a:ext cx="7978140" cy="1386277"/>
+          </a:xfrm>
+          <a:prstGeom prst="rect">
+            <a:avLst/>
+          </a:prstGeom>
+          <a:noFill/>
+        </p:spPr>
+        <p:txBody>
+          <a:bodyPr wrap="square" lIns="0" tIns="635" rIns="0" bIns="635" rtlCol="0" anchor="t">
+            <a:spAutoFit/>
+          </a:bodyPr>
+          <a:lstStyle/>
+          <a:p>
+            <a:r>
+              <a:rPr kumimoji="1" lang="en-US" altLang="ja-JP" dirty="0" smtClean="0">
+                <a:solidFill>
+                  <a:srgbClr val="0070C0"/>
+                </a:solidFill>
+                <a:latin typeface="ＭＳ ゴシック" panose="020B0609070205080204" pitchFamily="49" charset="-128"/>
+              </a:rPr>
+              <a:t>Sub</a:t>
+            </a:r>
+            <a:r>
+              <a:rPr kumimoji="1" lang="ja-JP" altLang="en-US" dirty="0" smtClean="0">
+                <a:solidFill>
+                  <a:srgbClr val="000000"/>
+                </a:solidFill>
+                <a:latin typeface="ＭＳ ゴシック" panose="020B0609070205080204" pitchFamily="49" charset="-128"/>
+              </a:rPr>
+              <a:t> </a:t>
+            </a:r>
+            <a:r>
+              <a:rPr kumimoji="1" lang="en-US" altLang="ja-JP" dirty="0" err="1" smtClean="0">
+                <a:solidFill>
+                  <a:srgbClr val="000000"/>
+                </a:solidFill>
+                <a:latin typeface="ＭＳ ゴシック" panose="020B0609070205080204" pitchFamily="49" charset="-128"/>
+              </a:rPr>
+              <a:t>ExcelBookOpenTest</a:t>
+            </a:r>
+            <a:r>
+              <a:rPr kumimoji="1" lang="en-US" altLang="ja-JP" dirty="0" smtClean="0">
+                <a:solidFill>
+                  <a:srgbClr val="000000"/>
+                </a:solidFill>
+                <a:latin typeface="ＭＳ ゴシック" panose="020B0609070205080204" pitchFamily="49" charset="-128"/>
+              </a:rPr>
+              <a:t>()</a:t>
+            </a:r>
+          </a:p>
+          <a:p>
+            <a:endParaRPr kumimoji="1" lang="en-US" altLang="ja-JP" dirty="0" smtClean="0">
+              <a:solidFill>
+                <a:srgbClr val="000000"/>
+              </a:solidFill>
+              <a:latin typeface="ＭＳ ゴシック" panose="020B0609070205080204" pitchFamily="49" charset="-128"/>
+            </a:endParaRPr>
+          </a:p>
+          <a:p>
+            <a:r>
+              <a:rPr lang="en-US" altLang="ja-JP" dirty="0" smtClean="0">
+                <a:solidFill>
+                  <a:srgbClr val="000000"/>
+                </a:solidFill>
+                <a:latin typeface="ＭＳ ゴシック" panose="020B0609070205080204" pitchFamily="49" charset="-128"/>
+              </a:rPr>
+              <a:t>    </a:t>
+            </a:r>
+            <a:r>
+              <a:rPr lang="en-US" altLang="ja-JP" dirty="0" err="1" smtClean="0">
+                <a:solidFill>
+                  <a:srgbClr val="000000"/>
+                </a:solidFill>
+                <a:latin typeface="ＭＳ ゴシック" panose="020B0609070205080204" pitchFamily="49" charset="-128"/>
+              </a:rPr>
+              <a:t>Workbooks.Open</a:t>
+            </a:r>
+            <a:r>
+              <a:rPr lang="en-US" altLang="ja-JP" dirty="0" smtClean="0">
+                <a:solidFill>
+                  <a:srgbClr val="000000"/>
+                </a:solidFill>
+                <a:latin typeface="ＭＳ ゴシック" panose="020B0609070205080204" pitchFamily="49" charset="-128"/>
+              </a:rPr>
+              <a:t> </a:t>
+            </a:r>
+            <a:r>
+              <a:rPr lang="en-US" altLang="ja-JP" dirty="0">
+                <a:solidFill>
+                  <a:srgbClr val="000000"/>
+                </a:solidFill>
+                <a:latin typeface="ＭＳ ゴシック" panose="020B0609070205080204" pitchFamily="49" charset="-128"/>
+              </a:rPr>
+              <a:t>"C</a:t>
+            </a:r>
+            <a:r>
+              <a:rPr lang="en-US" altLang="ja-JP" dirty="0" smtClean="0">
+                <a:solidFill>
+                  <a:srgbClr val="000000"/>
+                </a:solidFill>
+                <a:latin typeface="ＭＳ ゴシック" panose="020B0609070205080204" pitchFamily="49" charset="-128"/>
+              </a:rPr>
+              <a:t>:\Expense_Claims_Mar2019.xlsx"</a:t>
+            </a:r>
+          </a:p>
+          <a:p>
+            <a:endParaRPr kumimoji="1" lang="en-US" altLang="ja-JP" dirty="0" smtClean="0">
+              <a:solidFill>
+                <a:srgbClr val="0070C0"/>
+              </a:solidFill>
+              <a:latin typeface="ＭＳ ゴシック" panose="020B0609070205080204" pitchFamily="49" charset="-128"/>
+            </a:endParaRPr>
+          </a:p>
+          <a:p>
+            <a:r>
+              <a:rPr kumimoji="1" lang="en-US" altLang="ja-JP" dirty="0" smtClean="0">
+                <a:solidFill>
+                  <a:srgbClr val="0070C0"/>
+                </a:solidFill>
+                <a:latin typeface="ＭＳ ゴシック" panose="020B0609070205080204" pitchFamily="49" charset="-128"/>
+              </a:rPr>
+              <a:t>End</a:t>
+            </a:r>
+            <a:r>
+              <a:rPr kumimoji="1" lang="en-US" altLang="ja-JP" dirty="0" smtClean="0">
+                <a:solidFill>
+                  <a:srgbClr val="000000"/>
+                </a:solidFill>
+                <a:latin typeface="ＭＳ ゴシック" panose="020B0609070205080204" pitchFamily="49" charset="-128"/>
+              </a:rPr>
+              <a:t> </a:t>
+            </a:r>
+            <a:r>
+              <a:rPr kumimoji="1" lang="en-US" altLang="ja-JP" dirty="0" smtClean="0">
+                <a:solidFill>
+                  <a:srgbClr val="0070C0"/>
+                </a:solidFill>
+                <a:latin typeface="ＭＳ ゴシック" panose="020B0609070205080204" pitchFamily="49" charset="-128"/>
+              </a:rPr>
+              <a:t>Sub</a:t>
+            </a:r>
+            <a:endParaRPr kumimoji="1" lang="ja-JP" altLang="en-US" dirty="0">
+              <a:solidFill>
+                <a:srgbClr val="0070C0"/>
+              </a:solidFill>
+              <a:latin typeface="ＭＳ ゴシック" panose="020B0609070205080204" pitchFamily="49" charset="-128"/>
+            </a:endParaRPr>
+          </a:p>
+        </p:txBody>
+      </p:sp>
+    </p:spTree>
+    <p:extLst>
+      <p:ext uri="{BB962C8B-B14F-4D97-AF65-F5344CB8AC3E}">
+        <p14:creationId xmlns:p14="http://schemas.microsoft.com/office/powerpoint/2010/main" val="2901147984"/>
+      </p:ext>
+    </p:extLst>
+  </p:cSld>
+  <p:clrMapOvr>
+    <a:masterClrMapping/>
+  </p:clrMapOvr>
+</p:sld>
+</file>
+
+<file path=ppt/slides/slide19.xml><?xml version="1.0" encoding="utf-8"?>
 <p:sld xmlns:a="http://schemas.openxmlformats.org/drawingml/2006/main" xmlns:r="http://schemas.openxmlformats.org/officeDocument/2006/relationships" xmlns:p="http://schemas.openxmlformats.org/presentationml/2006/main">
   <p:cSld>
     <p:spTree>
@@ -9650,7 +10573,7 @@
           <p:cNvPr id="10" name="角丸四角形吹き出し 9">
             <a:extLst>
               <a:ext uri="{FF2B5EF4-FFF2-40B4-BE49-F238E27FC236}">
-                <a16:creationId xmlns="" xmlns:a16="http://schemas.microsoft.com/office/drawing/2014/main" id="{7C4A849C-C639-B545-964A-5A275C1AAF89}"/>
+                <a16:creationId xmlns:a16="http://schemas.microsoft.com/office/drawing/2014/main" xmlns="" id="{7C4A849C-C639-B545-964A-5A275C1AAF89}"/>
               </a:ext>
             </a:extLst>
           </p:cNvPr>
@@ -9736,7 +10659,7 @@
           <p:cNvPr id="2" name="タイトル 1">
             <a:extLst>
               <a:ext uri="{FF2B5EF4-FFF2-40B4-BE49-F238E27FC236}">
-                <a16:creationId xmlns="" xmlns:a16="http://schemas.microsoft.com/office/drawing/2014/main" id="{EFD7A861-05A9-7A46-98F3-9D64FFEE2A43}"/>
+                <a16:creationId xmlns:a16="http://schemas.microsoft.com/office/drawing/2014/main" xmlns="" id="{EFD7A861-05A9-7A46-98F3-9D64FFEE2A43}"/>
               </a:ext>
             </a:extLst>
           </p:cNvPr>
@@ -9764,7 +10687,7 @@
           <p:cNvPr id="3" name="テキスト プレースホルダー 2">
             <a:extLst>
               <a:ext uri="{FF2B5EF4-FFF2-40B4-BE49-F238E27FC236}">
-                <a16:creationId xmlns="" xmlns:a16="http://schemas.microsoft.com/office/drawing/2014/main" id="{13504C08-FAF4-D341-87C7-7921D878830A}"/>
+                <a16:creationId xmlns:a16="http://schemas.microsoft.com/office/drawing/2014/main" xmlns="" id="{13504C08-FAF4-D341-87C7-7921D878830A}"/>
               </a:ext>
             </a:extLst>
           </p:cNvPr>
@@ -10000,7 +10923,7 @@
           <p:cNvPr id="2" name="タイトル 1">
             <a:extLst>
               <a:ext uri="{FF2B5EF4-FFF2-40B4-BE49-F238E27FC236}">
-                <a16:creationId xmlns="" xmlns:a16="http://schemas.microsoft.com/office/drawing/2014/main" id="{016F734A-24FF-C84E-9FFB-4573DBE9D77A}"/>
+                <a16:creationId xmlns:a16="http://schemas.microsoft.com/office/drawing/2014/main" xmlns="" id="{016F734A-24FF-C84E-9FFB-4573DBE9D77A}"/>
               </a:ext>
             </a:extLst>
           </p:cNvPr>
@@ -10037,7 +10960,7 @@
           <p:cNvPr id="3" name="コンテンツ プレースホルダー 2">
             <a:extLst>
               <a:ext uri="{FF2B5EF4-FFF2-40B4-BE49-F238E27FC236}">
-                <a16:creationId xmlns="" xmlns:a16="http://schemas.microsoft.com/office/drawing/2014/main" id="{B43A4BB1-C877-F449-B9D1-75A8406375A9}"/>
+                <a16:creationId xmlns:a16="http://schemas.microsoft.com/office/drawing/2014/main" xmlns="" id="{B43A4BB1-C877-F449-B9D1-75A8406375A9}"/>
               </a:ext>
             </a:extLst>
           </p:cNvPr>
@@ -11270,7 +12193,7 @@
           <p:cNvPr id="11" name="角丸四角形吹き出し 10">
             <a:extLst>
               <a:ext uri="{FF2B5EF4-FFF2-40B4-BE49-F238E27FC236}">
-                <a16:creationId xmlns="" xmlns:a16="http://schemas.microsoft.com/office/drawing/2014/main" id="{7C4A849C-C639-B545-964A-5A275C1AAF89}"/>
+                <a16:creationId xmlns:a16="http://schemas.microsoft.com/office/drawing/2014/main" xmlns="" id="{7C4A849C-C639-B545-964A-5A275C1AAF89}"/>
               </a:ext>
             </a:extLst>
           </p:cNvPr>
@@ -11380,7 +12303,7 @@
           <p:cNvPr id="2" name="タイトル 1">
             <a:extLst>
               <a:ext uri="{FF2B5EF4-FFF2-40B4-BE49-F238E27FC236}">
-                <a16:creationId xmlns="" xmlns:a16="http://schemas.microsoft.com/office/drawing/2014/main" id="{016F734A-24FF-C84E-9FFB-4573DBE9D77A}"/>
+                <a16:creationId xmlns:a16="http://schemas.microsoft.com/office/drawing/2014/main" xmlns="" id="{016F734A-24FF-C84E-9FFB-4573DBE9D77A}"/>
               </a:ext>
             </a:extLst>
           </p:cNvPr>
@@ -11402,11 +12325,7 @@
             </a:r>
             <a:r>
               <a:rPr lang="en-US" altLang="ja-JP" dirty="0" smtClean="0"/>
-              <a:t>2</a:t>
-            </a:r>
-            <a:r>
-              <a:rPr lang="en-US" altLang="ja-JP" dirty="0" smtClean="0"/>
-              <a:t>:</a:t>
+              <a:t>2:</a:t>
             </a:r>
             <a:r>
               <a:rPr lang="ja-JP" altLang="en-US" dirty="0" smtClean="0"/>
@@ -11433,7 +12352,7 @@
           <p:cNvPr id="3" name="コンテンツ プレースホルダー 2">
             <a:extLst>
               <a:ext uri="{FF2B5EF4-FFF2-40B4-BE49-F238E27FC236}">
-                <a16:creationId xmlns="" xmlns:a16="http://schemas.microsoft.com/office/drawing/2014/main" id="{B43A4BB1-C877-F449-B9D1-75A8406375A9}"/>
+                <a16:creationId xmlns:a16="http://schemas.microsoft.com/office/drawing/2014/main" xmlns="" id="{B43A4BB1-C877-F449-B9D1-75A8406375A9}"/>
               </a:ext>
             </a:extLst>
           </p:cNvPr>
@@ -12686,7 +13605,6 @@
               <a:rPr lang="ja-JP" altLang="en-US" dirty="0"/>
               <a:t>で割り切れる場合は閏年</a:t>
             </a:r>
-            <a:endParaRPr lang="ja-JP" altLang="en-US" dirty="0"/>
           </a:p>
         </p:txBody>
       </p:sp>
@@ -12695,7 +13613,7 @@
           <p:cNvPr id="6" name="上矢印 5">
             <a:extLst>
               <a:ext uri="{FF2B5EF4-FFF2-40B4-BE49-F238E27FC236}">
-                <a16:creationId xmlns="" xmlns:a16="http://schemas.microsoft.com/office/drawing/2014/main" id="{191281F6-2AFD-2A49-8229-5047A536ECBE}"/>
+                <a16:creationId xmlns:a16="http://schemas.microsoft.com/office/drawing/2014/main" xmlns="" id="{191281F6-2AFD-2A49-8229-5047A536ECBE}"/>
               </a:ext>
             </a:extLst>
           </p:cNvPr>
@@ -12783,7 +13701,7 @@
           <p:cNvPr id="2" name="タイトル 1">
             <a:extLst>
               <a:ext uri="{FF2B5EF4-FFF2-40B4-BE49-F238E27FC236}">
-                <a16:creationId xmlns="" xmlns:a16="http://schemas.microsoft.com/office/drawing/2014/main" id="{016F734A-24FF-C84E-9FFB-4573DBE9D77A}"/>
+                <a16:creationId xmlns:a16="http://schemas.microsoft.com/office/drawing/2014/main" xmlns="" id="{016F734A-24FF-C84E-9FFB-4573DBE9D77A}"/>
               </a:ext>
             </a:extLst>
           </p:cNvPr>
@@ -12805,11 +13723,7 @@
             </a:r>
             <a:r>
               <a:rPr lang="en-US" altLang="ja-JP" dirty="0" smtClean="0"/>
-              <a:t>3</a:t>
-            </a:r>
-            <a:r>
-              <a:rPr lang="en-US" altLang="ja-JP" dirty="0" smtClean="0"/>
-              <a:t>:</a:t>
+              <a:t>3:</a:t>
             </a:r>
             <a:r>
               <a:rPr lang="ja-JP" altLang="en-US" dirty="0" smtClean="0"/>
@@ -12832,7 +13746,7 @@
           <p:cNvPr id="3" name="コンテンツ プレースホルダー 2">
             <a:extLst>
               <a:ext uri="{FF2B5EF4-FFF2-40B4-BE49-F238E27FC236}">
-                <a16:creationId xmlns="" xmlns:a16="http://schemas.microsoft.com/office/drawing/2014/main" id="{B43A4BB1-C877-F449-B9D1-75A8406375A9}"/>
+                <a16:creationId xmlns:a16="http://schemas.microsoft.com/office/drawing/2014/main" xmlns="" id="{B43A4BB1-C877-F449-B9D1-75A8406375A9}"/>
               </a:ext>
             </a:extLst>
           </p:cNvPr>
@@ -13728,13 +14642,6 @@
               </a:rPr>
               <a:t>Sub</a:t>
             </a:r>
-            <a:endParaRPr lang="en-US" altLang="ja-JP" sz="1400" dirty="0">
-              <a:solidFill>
-                <a:srgbClr val="0070C0"/>
-              </a:solidFill>
-              <a:latin typeface="ＭＳ ゴシック" panose="020B0609070205080204" pitchFamily="49" charset="-128"/>
-              <a:ea typeface="ＭＳ ゴシック" panose="020B0609070205080204" pitchFamily="49" charset="-128"/>
-            </a:endParaRPr>
           </a:p>
         </p:txBody>
       </p:sp>
@@ -13743,7 +14650,7 @@
           <p:cNvPr id="4" name="角丸四角形吹き出し 3">
             <a:extLst>
               <a:ext uri="{FF2B5EF4-FFF2-40B4-BE49-F238E27FC236}">
-                <a16:creationId xmlns="" xmlns:a16="http://schemas.microsoft.com/office/drawing/2014/main" id="{7C4A849C-C639-B545-964A-5A275C1AAF89}"/>
+                <a16:creationId xmlns:a16="http://schemas.microsoft.com/office/drawing/2014/main" xmlns="" id="{7C4A849C-C639-B545-964A-5A275C1AAF89}"/>
               </a:ext>
             </a:extLst>
           </p:cNvPr>
@@ -14940,6 +15847,21 @@
 </file>
 
 <file path=customXml/item1.xml><?xml version="1.0" encoding="utf-8"?>
+<?mso-contentType ?>
+<FormTemplates xmlns="http://schemas.microsoft.com/sharepoint/v3/contenttype/forms">
+  <Display>DocumentLibraryForm</Display>
+  <Edit>DocumentLibraryForm</Edit>
+  <New>DocumentLibraryForm</New>
+</FormTemplates>
+</file>
+
+<file path=customXml/item2.xml><?xml version="1.0" encoding="utf-8"?>
+<p:properties xmlns:p="http://schemas.microsoft.com/office/2006/metadata/properties" xmlns:xsi="http://www.w3.org/2001/XMLSchema-instance" xmlns:pc="http://schemas.microsoft.com/office/infopath/2007/PartnerControls">
+  <documentManagement/>
+</p:properties>
+</file>
+
+<file path=customXml/item3.xml><?xml version="1.0" encoding="utf-8"?>
 <ct:contentTypeSchema xmlns:ct="http://schemas.microsoft.com/office/2006/metadata/contentType" xmlns:ma="http://schemas.microsoft.com/office/2006/metadata/properties/metaAttributes" ct:_="" ma:_="" ma:contentTypeName="Document" ma:contentTypeID="0x0101004E64C1B9759C00439C3492CBBE953EC6" ma:contentTypeVersion="4" ma:contentTypeDescription="Create a new document." ma:contentTypeScope="" ma:versionID="4614ffbef66646ade257425cb756d12b">
   <xsd:schema xmlns:xsd="http://www.w3.org/2001/XMLSchema" xmlns:xs="http://www.w3.org/2001/XMLSchema" xmlns:p="http://schemas.microsoft.com/office/2006/metadata/properties" xmlns:ns2="9eef16d1-88bd-4aa8-b0cb-d3a7752e6d6b" xmlns:ns3="4dd0d71b-5951-40d7-bab3-745c65abb58f" targetNamespace="http://schemas.microsoft.com/office/2006/metadata/properties" ma:root="true" ma:fieldsID="beb1781d3191e837f14064601f5f8d07" ns2:_="" ns3:_="">
     <xsd:import namespace="9eef16d1-88bd-4aa8-b0cb-d3a7752e6d6b"/>
@@ -15104,36 +16026,10 @@
 </ct:contentTypeSchema>
 </file>
 
-<file path=customXml/item2.xml><?xml version="1.0" encoding="utf-8"?>
-<p:properties xmlns:p="http://schemas.microsoft.com/office/2006/metadata/properties" xmlns:xsi="http://www.w3.org/2001/XMLSchema-instance" xmlns:pc="http://schemas.microsoft.com/office/infopath/2007/PartnerControls">
-  <documentManagement/>
-</p:properties>
-</file>
-
-<file path=customXml/item3.xml><?xml version="1.0" encoding="utf-8"?>
-<?mso-contentType ?>
-<FormTemplates xmlns="http://schemas.microsoft.com/sharepoint/v3/contenttype/forms">
-  <Display>DocumentLibraryForm</Display>
-  <Edit>DocumentLibraryForm</Edit>
-  <New>DocumentLibraryForm</New>
-</FormTemplates>
-</file>
-
 <file path=customXml/itemProps1.xml><?xml version="1.0" encoding="utf-8"?>
-<ds:datastoreItem xmlns:ds="http://schemas.openxmlformats.org/officeDocument/2006/customXml" ds:itemID="{CB89F443-BEFB-44E3-950C-F541E1B82E45}">
+<ds:datastoreItem xmlns:ds="http://schemas.openxmlformats.org/officeDocument/2006/customXml" ds:itemID="{E6EF3CE6-42BA-4728-84B7-42F4006F77DE}">
   <ds:schemaRefs>
-    <ds:schemaRef ds:uri="http://schemas.microsoft.com/office/2006/metadata/contentType"/>
-    <ds:schemaRef ds:uri="http://schemas.microsoft.com/office/2006/metadata/properties/metaAttributes"/>
-    <ds:schemaRef ds:uri="http://www.w3.org/2001/XMLSchema"/>
-    <ds:schemaRef ds:uri="http://schemas.microsoft.com/office/2006/metadata/properties"/>
-    <ds:schemaRef ds:uri="9eef16d1-88bd-4aa8-b0cb-d3a7752e6d6b"/>
-    <ds:schemaRef ds:uri="4dd0d71b-5951-40d7-bab3-745c65abb58f"/>
-    <ds:schemaRef ds:uri="http://schemas.microsoft.com/office/2006/documentManagement/types"/>
-    <ds:schemaRef ds:uri="http://schemas.microsoft.com/office/infopath/2007/PartnerControls"/>
-    <ds:schemaRef ds:uri="http://schemas.openxmlformats.org/package/2006/metadata/core-properties"/>
-    <ds:schemaRef ds:uri="http://purl.org/dc/elements/1.1/"/>
-    <ds:schemaRef ds:uri="http://purl.org/dc/terms/"/>
-    <ds:schemaRef ds:uri="http://schemas.microsoft.com/internal/obd"/>
+    <ds:schemaRef ds:uri="http://schemas.microsoft.com/sharepoint/v3/contenttype/forms"/>
   </ds:schemaRefs>
 </ds:datastoreItem>
 </file>
@@ -15156,9 +16052,20 @@
 </file>
 
 <file path=customXml/itemProps3.xml><?xml version="1.0" encoding="utf-8"?>
-<ds:datastoreItem xmlns:ds="http://schemas.openxmlformats.org/officeDocument/2006/customXml" ds:itemID="{E6EF3CE6-42BA-4728-84B7-42F4006F77DE}">
+<ds:datastoreItem xmlns:ds="http://schemas.openxmlformats.org/officeDocument/2006/customXml" ds:itemID="{CB89F443-BEFB-44E3-950C-F541E1B82E45}">
   <ds:schemaRefs>
-    <ds:schemaRef ds:uri="http://schemas.microsoft.com/sharepoint/v3/contenttype/forms"/>
+    <ds:schemaRef ds:uri="http://schemas.microsoft.com/office/2006/metadata/contentType"/>
+    <ds:schemaRef ds:uri="http://schemas.microsoft.com/office/2006/metadata/properties/metaAttributes"/>
+    <ds:schemaRef ds:uri="http://www.w3.org/2001/XMLSchema"/>
+    <ds:schemaRef ds:uri="http://schemas.microsoft.com/office/2006/metadata/properties"/>
+    <ds:schemaRef ds:uri="9eef16d1-88bd-4aa8-b0cb-d3a7752e6d6b"/>
+    <ds:schemaRef ds:uri="4dd0d71b-5951-40d7-bab3-745c65abb58f"/>
+    <ds:schemaRef ds:uri="http://schemas.microsoft.com/office/2006/documentManagement/types"/>
+    <ds:schemaRef ds:uri="http://schemas.microsoft.com/office/infopath/2007/PartnerControls"/>
+    <ds:schemaRef ds:uri="http://schemas.openxmlformats.org/package/2006/metadata/core-properties"/>
+    <ds:schemaRef ds:uri="http://purl.org/dc/elements/1.1/"/>
+    <ds:schemaRef ds:uri="http://purl.org/dc/terms/"/>
+    <ds:schemaRef ds:uri="http://schemas.microsoft.com/internal/obd"/>
   </ds:schemaRefs>
 </ds:datastoreItem>
 </file>
--- a/contents/4/Excelマクロで学ぶVBA入門_第4回.pptx
+++ b/contents/4/Excelマクロで学ぶVBA入門_第4回.pptx
@@ -5789,14 +5789,14 @@
                 <a:gridCol w="1759688">
                   <a:extLst>
                     <a:ext uri="{9D8B030D-6E8A-4147-A177-3AD203B41FA5}">
-                      <a16:colId xmlns:a16="http://schemas.microsoft.com/office/drawing/2014/main" xmlns="" val="20000"/>
+                      <a16:colId xmlns="" xmlns:a16="http://schemas.microsoft.com/office/drawing/2014/main" val="20000"/>
                     </a:ext>
                   </a:extLst>
                 </a:gridCol>
                 <a:gridCol w="1759688">
                   <a:extLst>
                     <a:ext uri="{9D8B030D-6E8A-4147-A177-3AD203B41FA5}">
-                      <a16:colId xmlns:a16="http://schemas.microsoft.com/office/drawing/2014/main" xmlns="" val="20001"/>
+                      <a16:colId xmlns="" xmlns:a16="http://schemas.microsoft.com/office/drawing/2014/main" val="20001"/>
                     </a:ext>
                   </a:extLst>
                 </a:gridCol>
@@ -5910,7 +5910,7 @@
                 </a:tc>
                 <a:extLst>
                   <a:ext uri="{0D108BD9-81ED-4DB2-BD59-A6C34878D82A}">
-                    <a16:rowId xmlns:a16="http://schemas.microsoft.com/office/drawing/2014/main" xmlns="" val="10000"/>
+                    <a16:rowId xmlns="" xmlns:a16="http://schemas.microsoft.com/office/drawing/2014/main" val="10000"/>
                   </a:ext>
                 </a:extLst>
               </a:tr>
@@ -6023,7 +6023,7 @@
                 </a:tc>
                 <a:extLst>
                   <a:ext uri="{0D108BD9-81ED-4DB2-BD59-A6C34878D82A}">
-                    <a16:rowId xmlns:a16="http://schemas.microsoft.com/office/drawing/2014/main" xmlns="" val="10001"/>
+                    <a16:rowId xmlns="" xmlns:a16="http://schemas.microsoft.com/office/drawing/2014/main" val="10001"/>
                   </a:ext>
                 </a:extLst>
               </a:tr>
@@ -6136,7 +6136,7 @@
                 </a:tc>
                 <a:extLst>
                   <a:ext uri="{0D108BD9-81ED-4DB2-BD59-A6C34878D82A}">
-                    <a16:rowId xmlns:a16="http://schemas.microsoft.com/office/drawing/2014/main" xmlns="" val="10002"/>
+                    <a16:rowId xmlns="" xmlns:a16="http://schemas.microsoft.com/office/drawing/2014/main" val="10002"/>
                   </a:ext>
                 </a:extLst>
               </a:tr>
@@ -6149,7 +6149,7 @@
           <p:cNvPr id="5" name="角丸四角形吹き出し 4">
             <a:extLst>
               <a:ext uri="{FF2B5EF4-FFF2-40B4-BE49-F238E27FC236}">
-                <a16:creationId xmlns:a16="http://schemas.microsoft.com/office/drawing/2014/main" xmlns="" id="{7C4A849C-C639-B545-964A-5A275C1AAF89}"/>
+                <a16:creationId xmlns="" xmlns:a16="http://schemas.microsoft.com/office/drawing/2014/main" id="{7C4A849C-C639-B545-964A-5A275C1AAF89}"/>
               </a:ext>
             </a:extLst>
           </p:cNvPr>
@@ -6209,7 +6209,7 @@
           <p:cNvPr id="7" name="右矢印 6">
             <a:extLst>
               <a:ext uri="{FF2B5EF4-FFF2-40B4-BE49-F238E27FC236}">
-                <a16:creationId xmlns:a16="http://schemas.microsoft.com/office/drawing/2014/main" xmlns="" id="{191281F6-2AFD-2A49-8229-5047A536ECBE}"/>
+                <a16:creationId xmlns="" xmlns:a16="http://schemas.microsoft.com/office/drawing/2014/main" id="{191281F6-2AFD-2A49-8229-5047A536ECBE}"/>
               </a:ext>
             </a:extLst>
           </p:cNvPr>
@@ -6255,7 +6255,7 @@
           <p:cNvPr id="8" name="角丸四角形吹き出し 7">
             <a:extLst>
               <a:ext uri="{FF2B5EF4-FFF2-40B4-BE49-F238E27FC236}">
-                <a16:creationId xmlns:a16="http://schemas.microsoft.com/office/drawing/2014/main" xmlns="" id="{7C4A849C-C639-B545-964A-5A275C1AAF89}"/>
+                <a16:creationId xmlns="" xmlns:a16="http://schemas.microsoft.com/office/drawing/2014/main" id="{7C4A849C-C639-B545-964A-5A275C1AAF89}"/>
               </a:ext>
             </a:extLst>
           </p:cNvPr>
@@ -6421,14 +6421,14 @@
                 <a:gridCol w="1759688">
                   <a:extLst>
                     <a:ext uri="{9D8B030D-6E8A-4147-A177-3AD203B41FA5}">
-                      <a16:colId xmlns:a16="http://schemas.microsoft.com/office/drawing/2014/main" xmlns="" val="20000"/>
+                      <a16:colId xmlns="" xmlns:a16="http://schemas.microsoft.com/office/drawing/2014/main" val="20000"/>
                     </a:ext>
                   </a:extLst>
                 </a:gridCol>
                 <a:gridCol w="1759688">
                   <a:extLst>
                     <a:ext uri="{9D8B030D-6E8A-4147-A177-3AD203B41FA5}">
-                      <a16:colId xmlns:a16="http://schemas.microsoft.com/office/drawing/2014/main" xmlns="" val="20001"/>
+                      <a16:colId xmlns="" xmlns:a16="http://schemas.microsoft.com/office/drawing/2014/main" val="20001"/>
                     </a:ext>
                   </a:extLst>
                 </a:gridCol>
@@ -6542,7 +6542,7 @@
                 </a:tc>
                 <a:extLst>
                   <a:ext uri="{0D108BD9-81ED-4DB2-BD59-A6C34878D82A}">
-                    <a16:rowId xmlns:a16="http://schemas.microsoft.com/office/drawing/2014/main" xmlns="" val="10000"/>
+                    <a16:rowId xmlns="" xmlns:a16="http://schemas.microsoft.com/office/drawing/2014/main" val="10000"/>
                   </a:ext>
                 </a:extLst>
               </a:tr>
@@ -6655,7 +6655,7 @@
                 </a:tc>
                 <a:extLst>
                   <a:ext uri="{0D108BD9-81ED-4DB2-BD59-A6C34878D82A}">
-                    <a16:rowId xmlns:a16="http://schemas.microsoft.com/office/drawing/2014/main" xmlns="" val="10001"/>
+                    <a16:rowId xmlns="" xmlns:a16="http://schemas.microsoft.com/office/drawing/2014/main" val="10001"/>
                   </a:ext>
                 </a:extLst>
               </a:tr>
@@ -6768,7 +6768,7 @@
                 </a:tc>
                 <a:extLst>
                   <a:ext uri="{0D108BD9-81ED-4DB2-BD59-A6C34878D82A}">
-                    <a16:rowId xmlns:a16="http://schemas.microsoft.com/office/drawing/2014/main" xmlns="" val="10002"/>
+                    <a16:rowId xmlns="" xmlns:a16="http://schemas.microsoft.com/office/drawing/2014/main" val="10002"/>
                   </a:ext>
                 </a:extLst>
               </a:tr>
@@ -7569,7 +7569,7 @@
           <p:cNvPr id="2" name="タイトル 1">
             <a:extLst>
               <a:ext uri="{FF2B5EF4-FFF2-40B4-BE49-F238E27FC236}">
-                <a16:creationId xmlns="" xmlns:a16="http://schemas.microsoft.com/office/drawing/2014/main" id="{016F734A-24FF-C84E-9FFB-4573DBE9D77A}"/>
+                <a16:creationId xmlns:a16="http://schemas.microsoft.com/office/drawing/2014/main" xmlns="" id="{016F734A-24FF-C84E-9FFB-4573DBE9D77A}"/>
               </a:ext>
             </a:extLst>
           </p:cNvPr>
@@ -7598,7 +7598,7 @@
           <p:cNvPr id="3" name="コンテンツ プレースホルダー 2">
             <a:extLst>
               <a:ext uri="{FF2B5EF4-FFF2-40B4-BE49-F238E27FC236}">
-                <a16:creationId xmlns="" xmlns:a16="http://schemas.microsoft.com/office/drawing/2014/main" id="{B43A4BB1-C877-F449-B9D1-75A8406375A9}"/>
+                <a16:creationId xmlns:a16="http://schemas.microsoft.com/office/drawing/2014/main" xmlns="" id="{B43A4BB1-C877-F449-B9D1-75A8406375A9}"/>
               </a:ext>
             </a:extLst>
           </p:cNvPr>
@@ -9472,7 +9472,7 @@
           <p:cNvPr id="5" name="角丸四角形吹き出し 4">
             <a:extLst>
               <a:ext uri="{FF2B5EF4-FFF2-40B4-BE49-F238E27FC236}">
-                <a16:creationId xmlns:a16="http://schemas.microsoft.com/office/drawing/2014/main" xmlns="" id="{7C4A849C-C639-B545-964A-5A275C1AAF89}"/>
+                <a16:creationId xmlns="" xmlns:a16="http://schemas.microsoft.com/office/drawing/2014/main" id="{7C4A849C-C639-B545-964A-5A275C1AAF89}"/>
               </a:ext>
             </a:extLst>
           </p:cNvPr>
@@ -9589,7 +9589,7 @@
           <p:cNvPr id="2" name="タイトル 1">
             <a:extLst>
               <a:ext uri="{FF2B5EF4-FFF2-40B4-BE49-F238E27FC236}">
-                <a16:creationId xmlns="" xmlns:a16="http://schemas.microsoft.com/office/drawing/2014/main" id="{EFD7A861-05A9-7A46-98F3-9D64FFEE2A43}"/>
+                <a16:creationId xmlns:a16="http://schemas.microsoft.com/office/drawing/2014/main" xmlns="" id="{EFD7A861-05A9-7A46-98F3-9D64FFEE2A43}"/>
               </a:ext>
             </a:extLst>
           </p:cNvPr>
@@ -9618,7 +9618,7 @@
           <p:cNvPr id="3" name="テキスト プレースホルダー 2">
             <a:extLst>
               <a:ext uri="{FF2B5EF4-FFF2-40B4-BE49-F238E27FC236}">
-                <a16:creationId xmlns="" xmlns:a16="http://schemas.microsoft.com/office/drawing/2014/main" id="{13504C08-FAF4-D341-87C7-7921D878830A}"/>
+                <a16:creationId xmlns:a16="http://schemas.microsoft.com/office/drawing/2014/main" xmlns="" id="{13504C08-FAF4-D341-87C7-7921D878830A}"/>
               </a:ext>
             </a:extLst>
           </p:cNvPr>
@@ -9780,7 +9780,7 @@
           <p:cNvPr id="8" name="右矢印 7">
             <a:extLst>
               <a:ext uri="{FF2B5EF4-FFF2-40B4-BE49-F238E27FC236}">
-                <a16:creationId xmlns:a16="http://schemas.microsoft.com/office/drawing/2014/main" xmlns="" id="{191281F6-2AFD-2A49-8229-5047A536ECBE}"/>
+                <a16:creationId xmlns="" xmlns:a16="http://schemas.microsoft.com/office/drawing/2014/main" id="{191281F6-2AFD-2A49-8229-5047A536ECBE}"/>
               </a:ext>
             </a:extLst>
           </p:cNvPr>
@@ -9826,7 +9826,7 @@
           <p:cNvPr id="9" name="角丸四角形吹き出し 8">
             <a:extLst>
               <a:ext uri="{FF2B5EF4-FFF2-40B4-BE49-F238E27FC236}">
-                <a16:creationId xmlns:a16="http://schemas.microsoft.com/office/drawing/2014/main" xmlns="" id="{7C4A849C-C639-B545-964A-5A275C1AAF89}"/>
+                <a16:creationId xmlns="" xmlns:a16="http://schemas.microsoft.com/office/drawing/2014/main" id="{7C4A849C-C639-B545-964A-5A275C1AAF89}"/>
               </a:ext>
             </a:extLst>
           </p:cNvPr>
@@ -9878,7 +9878,7 @@
           <p:cNvPr id="10" name="角丸四角形吹き出し 9">
             <a:extLst>
               <a:ext uri="{FF2B5EF4-FFF2-40B4-BE49-F238E27FC236}">
-                <a16:creationId xmlns:a16="http://schemas.microsoft.com/office/drawing/2014/main" xmlns="" id="{7C4A849C-C639-B545-964A-5A275C1AAF89}"/>
+                <a16:creationId xmlns="" xmlns:a16="http://schemas.microsoft.com/office/drawing/2014/main" id="{7C4A849C-C639-B545-964A-5A275C1AAF89}"/>
               </a:ext>
             </a:extLst>
           </p:cNvPr>
@@ -10504,11 +10504,7 @@
             </a:r>
             <a:r>
               <a:rPr kumimoji="1" lang="ja-JP" altLang="en-US" dirty="0" smtClean="0"/>
-              <a:t>を</a:t>
-            </a:r>
-            <a:r>
-              <a:rPr kumimoji="1" lang="ja-JP" altLang="en-US" dirty="0" smtClean="0"/>
-              <a:t>切り替えて処理（</a:t>
+              <a:t>を切り替えて処理（</a:t>
             </a:r>
             <a:r>
               <a:rPr kumimoji="1" lang="en-US" altLang="ja-JP" dirty="0" smtClean="0"/>
@@ -11431,7 +11427,7 @@
           <p:cNvPr id="2" name="タイトル 1">
             <a:extLst>
               <a:ext uri="{FF2B5EF4-FFF2-40B4-BE49-F238E27FC236}">
-                <a16:creationId xmlns="" xmlns:a16="http://schemas.microsoft.com/office/drawing/2014/main" id="{EFD7A861-05A9-7A46-98F3-9D64FFEE2A43}"/>
+                <a16:creationId xmlns:a16="http://schemas.microsoft.com/office/drawing/2014/main" xmlns="" id="{EFD7A861-05A9-7A46-98F3-9D64FFEE2A43}"/>
               </a:ext>
             </a:extLst>
           </p:cNvPr>
@@ -11464,7 +11460,7 @@
           <p:cNvPr id="3" name="テキスト プレースホルダー 2">
             <a:extLst>
               <a:ext uri="{FF2B5EF4-FFF2-40B4-BE49-F238E27FC236}">
-                <a16:creationId xmlns="" xmlns:a16="http://schemas.microsoft.com/office/drawing/2014/main" id="{13504C08-FAF4-D341-87C7-7921D878830A}"/>
+                <a16:creationId xmlns:a16="http://schemas.microsoft.com/office/drawing/2014/main" xmlns="" id="{13504C08-FAF4-D341-87C7-7921D878830A}"/>
               </a:ext>
             </a:extLst>
           </p:cNvPr>
@@ -11648,12 +11644,6 @@
               </a:rPr>
               <a:t>()</a:t>
             </a:r>
-            <a:endParaRPr kumimoji="1" lang="en-US" altLang="ja-JP" sz="2000" dirty="0" smtClean="0">
-              <a:solidFill>
-                <a:srgbClr val="000000"/>
-              </a:solidFill>
-              <a:latin typeface="ＭＳ ゴシック" panose="020B0609070205080204" pitchFamily="49" charset="-128"/>
-            </a:endParaRPr>
           </a:p>
           <a:p>
             <a:r>
@@ -11699,16 +11689,7 @@
                 </a:solidFill>
                 <a:latin typeface="ＭＳ ゴシック" panose="020B0609070205080204" pitchFamily="49" charset="-128"/>
               </a:rPr>
-              <a:t>:\Expense_Claims_Mar2019.xlsx</a:t>
-            </a:r>
-            <a:r>
-              <a:rPr lang="en-US" altLang="ja-JP" sz="2000" dirty="0" smtClean="0">
-                <a:solidFill>
-                  <a:srgbClr val="000000"/>
-                </a:solidFill>
-                <a:latin typeface="ＭＳ ゴシック" panose="020B0609070205080204" pitchFamily="49" charset="-128"/>
-              </a:rPr>
-              <a:t>"</a:t>
+              <a:t>:\Expense_Claims_Mar2019.xlsx"</a:t>
             </a:r>
             <a:endParaRPr kumimoji="1" lang="en-US" altLang="ja-JP" sz="2000" dirty="0" smtClean="0">
               <a:solidFill>
@@ -11788,7 +11769,7 @@
           <p:cNvPr id="6" name="角丸四角形吹き出し 5">
             <a:extLst>
               <a:ext uri="{FF2B5EF4-FFF2-40B4-BE49-F238E27FC236}">
-                <a16:creationId xmlns:a16="http://schemas.microsoft.com/office/drawing/2014/main" xmlns="" id="{7C4A849C-C639-B545-964A-5A275C1AAF89}"/>
+                <a16:creationId xmlns="" xmlns:a16="http://schemas.microsoft.com/office/drawing/2014/main" id="{7C4A849C-C639-B545-964A-5A275C1AAF89}"/>
               </a:ext>
             </a:extLst>
           </p:cNvPr>
@@ -11848,7 +11829,7 @@
           <p:cNvPr id="7" name="角丸四角形吹き出し 6">
             <a:extLst>
               <a:ext uri="{FF2B5EF4-FFF2-40B4-BE49-F238E27FC236}">
-                <a16:creationId xmlns:a16="http://schemas.microsoft.com/office/drawing/2014/main" xmlns="" id="{7C4A849C-C639-B545-964A-5A275C1AAF89}"/>
+                <a16:creationId xmlns="" xmlns:a16="http://schemas.microsoft.com/office/drawing/2014/main" id="{7C4A849C-C639-B545-964A-5A275C1AAF89}"/>
               </a:ext>
             </a:extLst>
           </p:cNvPr>
@@ -11903,11 +11884,7 @@
             </a:r>
             <a:r>
               <a:rPr lang="ja-JP" altLang="en-US" sz="1600" dirty="0" smtClean="0"/>
-              <a:t>でファイル選択</a:t>
-            </a:r>
-            <a:r>
-              <a:rPr lang="ja-JP" altLang="en-US" sz="1600" dirty="0" smtClean="0"/>
-              <a:t>→メニューの「パスのコピー」をクリック</a:t>
+              <a:t>でファイル選択→メニューの「パスのコピー」をクリック</a:t>
             </a:r>
             <a:endParaRPr lang="en-US" altLang="ja-JP" sz="1600" dirty="0" smtClean="0"/>
           </a:p>
@@ -12133,7 +12110,7 @@
           <p:cNvPr id="8" name="角丸四角形吹き出し 7">
             <a:extLst>
               <a:ext uri="{FF2B5EF4-FFF2-40B4-BE49-F238E27FC236}">
-                <a16:creationId xmlns="" xmlns:a16="http://schemas.microsoft.com/office/drawing/2014/main" id="{7C4A849C-C639-B545-964A-5A275C1AAF89}"/>
+                <a16:creationId xmlns:a16="http://schemas.microsoft.com/office/drawing/2014/main" xmlns="" id="{7C4A849C-C639-B545-964A-5A275C1AAF89}"/>
               </a:ext>
             </a:extLst>
           </p:cNvPr>
@@ -12558,25 +12535,7 @@
                 </a:solidFill>
                 <a:latin typeface="ＭＳ ゴシック" panose="020B0609070205080204" pitchFamily="49" charset="-128"/>
               </a:rPr>
-              <a:t>"C</a:t>
-            </a:r>
-            <a:r>
-              <a:rPr lang="en-US" altLang="ja-JP" sz="2000" dirty="0" smtClean="0">
-                <a:solidFill>
-                  <a:srgbClr val="000000"/>
-                </a:solidFill>
-                <a:latin typeface="ＭＳ ゴシック" panose="020B0609070205080204" pitchFamily="49" charset="-128"/>
-              </a:rPr>
-              <a:t>:\Expense_Claims_Mar2019.xlsx</a:t>
-            </a:r>
-            <a:r>
-              <a:rPr lang="en-US" altLang="ja-JP" sz="2000" dirty="0" smtClean="0">
-                <a:solidFill>
-                  <a:srgbClr val="000000"/>
-                </a:solidFill>
-                <a:latin typeface="ＭＳ ゴシック" panose="020B0609070205080204" pitchFamily="49" charset="-128"/>
-              </a:rPr>
-              <a:t>")</a:t>
+              <a:t>"C:\Expense_Claims_Mar2019.xlsx")</a:t>
             </a:r>
             <a:endParaRPr kumimoji="1" lang="en-US" altLang="ja-JP" sz="2000" dirty="0" smtClean="0">
               <a:solidFill>
@@ -12982,25 +12941,7 @@
                 </a:solidFill>
                 <a:latin typeface="ＭＳ ゴシック" panose="020B0609070205080204" pitchFamily="49" charset="-128"/>
               </a:rPr>
-              <a:t>"C</a:t>
-            </a:r>
-            <a:r>
-              <a:rPr lang="en-US" altLang="ja-JP" sz="2000" dirty="0" smtClean="0">
-                <a:solidFill>
-                  <a:srgbClr val="000000"/>
-                </a:solidFill>
-                <a:latin typeface="ＭＳ ゴシック" panose="020B0609070205080204" pitchFamily="49" charset="-128"/>
-              </a:rPr>
-              <a:t>:\Expense_Claims_Mar2019.xlsx</a:t>
-            </a:r>
-            <a:r>
-              <a:rPr lang="en-US" altLang="ja-JP" sz="2000" dirty="0" smtClean="0">
-                <a:solidFill>
-                  <a:srgbClr val="000000"/>
-                </a:solidFill>
-                <a:latin typeface="ＭＳ ゴシック" panose="020B0609070205080204" pitchFamily="49" charset="-128"/>
-              </a:rPr>
-              <a:t>")</a:t>
+              <a:t>"C:\Expense_Claims_Mar2019.xlsx")</a:t>
             </a:r>
           </a:p>
           <a:p>
@@ -13079,7 +13020,7 @@
           <p:cNvPr id="5" name="角丸四角形吹き出し 4">
             <a:extLst>
               <a:ext uri="{FF2B5EF4-FFF2-40B4-BE49-F238E27FC236}">
-                <a16:creationId xmlns:a16="http://schemas.microsoft.com/office/drawing/2014/main" xmlns="" id="{7C4A849C-C639-B545-964A-5A275C1AAF89}"/>
+                <a16:creationId xmlns="" xmlns:a16="http://schemas.microsoft.com/office/drawing/2014/main" id="{7C4A849C-C639-B545-964A-5A275C1AAF89}"/>
               </a:ext>
             </a:extLst>
           </p:cNvPr>
@@ -13124,11 +13065,7 @@
             </a:r>
             <a:r>
               <a:rPr lang="ja-JP" altLang="en-US" sz="1600" dirty="0" smtClean="0"/>
-              <a:t>ファイルの変数に</a:t>
-            </a:r>
-            <a:r>
-              <a:rPr lang="ja-JP" altLang="en-US" sz="1600" dirty="0" smtClean="0"/>
-              <a:t>ドット</a:t>
+              <a:t>ファイルの変数にドット</a:t>
             </a:r>
             <a:r>
               <a:rPr lang="en-US" altLang="ja-JP" sz="1600" dirty="0" smtClean="0"/>
@@ -13724,16 +13661,7 @@
                 </a:solidFill>
                 <a:latin typeface="ＭＳ ゴシック" panose="020B0609070205080204" pitchFamily="49" charset="-128"/>
               </a:rPr>
-              <a:t>w</a:t>
-            </a:r>
-            <a:r>
-              <a:rPr lang="en-US" altLang="ja-JP" sz="1600" dirty="0" err="1" smtClean="0">
-                <a:solidFill>
-                  <a:srgbClr val="000000"/>
-                </a:solidFill>
-                <a:latin typeface="ＭＳ ゴシック" panose="020B0609070205080204" pitchFamily="49" charset="-128"/>
-              </a:rPr>
-              <a:t>s.Name</a:t>
+              <a:t>ws.Name</a:t>
             </a:r>
             <a:r>
               <a:rPr lang="en-US" altLang="ja-JP" sz="1600" dirty="0" smtClean="0">
@@ -13820,7 +13748,7 @@
           <p:cNvPr id="7" name="角丸四角形吹き出し 6">
             <a:extLst>
               <a:ext uri="{FF2B5EF4-FFF2-40B4-BE49-F238E27FC236}">
-                <a16:creationId xmlns:a16="http://schemas.microsoft.com/office/drawing/2014/main" xmlns="" id="{7C4A849C-C639-B545-964A-5A275C1AAF89}"/>
+                <a16:creationId xmlns="" xmlns:a16="http://schemas.microsoft.com/office/drawing/2014/main" id="{7C4A849C-C639-B545-964A-5A275C1AAF89}"/>
               </a:ext>
             </a:extLst>
           </p:cNvPr>
@@ -14187,25 +14115,7 @@
                 </a:solidFill>
                 <a:latin typeface="ＭＳ ゴシック" panose="020B0609070205080204" pitchFamily="49" charset="-128"/>
               </a:rPr>
-              <a:t>"C</a:t>
-            </a:r>
-            <a:r>
-              <a:rPr lang="en-US" altLang="ja-JP" sz="2000" dirty="0" smtClean="0">
-                <a:solidFill>
-                  <a:srgbClr val="000000"/>
-                </a:solidFill>
-                <a:latin typeface="ＭＳ ゴシック" panose="020B0609070205080204" pitchFamily="49" charset="-128"/>
-              </a:rPr>
-              <a:t>:\Expense_Claims_Mar2019.xlsx</a:t>
-            </a:r>
-            <a:r>
-              <a:rPr lang="en-US" altLang="ja-JP" sz="2000" dirty="0" smtClean="0">
-                <a:solidFill>
-                  <a:srgbClr val="000000"/>
-                </a:solidFill>
-                <a:latin typeface="ＭＳ ゴシック" panose="020B0609070205080204" pitchFamily="49" charset="-128"/>
-              </a:rPr>
-              <a:t>")</a:t>
+              <a:t>"C:\Expense_Claims_Mar2019.xlsx")</a:t>
             </a:r>
           </a:p>
           <a:p>
@@ -14618,25 +14528,7 @@
                 </a:solidFill>
                 <a:latin typeface="ＭＳ ゴシック" panose="020B0609070205080204" pitchFamily="49" charset="-128"/>
               </a:rPr>
-              <a:t>"C</a:t>
-            </a:r>
-            <a:r>
-              <a:rPr lang="en-US" altLang="ja-JP" sz="2000" dirty="0" smtClean="0">
-                <a:solidFill>
-                  <a:srgbClr val="000000"/>
-                </a:solidFill>
-                <a:latin typeface="ＭＳ ゴシック" panose="020B0609070205080204" pitchFamily="49" charset="-128"/>
-              </a:rPr>
-              <a:t>:\Expense_Claims_Mar2019.xlsx</a:t>
-            </a:r>
-            <a:r>
-              <a:rPr lang="en-US" altLang="ja-JP" sz="2000" dirty="0" smtClean="0">
-                <a:solidFill>
-                  <a:srgbClr val="000000"/>
-                </a:solidFill>
-                <a:latin typeface="ＭＳ ゴシック" panose="020B0609070205080204" pitchFamily="49" charset="-128"/>
-              </a:rPr>
-              <a:t>")</a:t>
+              <a:t>"C:\Expense_Claims_Mar2019.xlsx")</a:t>
             </a:r>
           </a:p>
           <a:p>
@@ -14775,7 +14667,7 @@
           <p:cNvPr id="2" name="タイトル 1">
             <a:extLst>
               <a:ext uri="{FF2B5EF4-FFF2-40B4-BE49-F238E27FC236}">
-                <a16:creationId xmlns="" xmlns:a16="http://schemas.microsoft.com/office/drawing/2014/main" id="{EFD7A861-05A9-7A46-98F3-9D64FFEE2A43}"/>
+                <a16:creationId xmlns:a16="http://schemas.microsoft.com/office/drawing/2014/main" xmlns="" id="{EFD7A861-05A9-7A46-98F3-9D64FFEE2A43}"/>
               </a:ext>
             </a:extLst>
           </p:cNvPr>
@@ -14808,7 +14700,7 @@
           <p:cNvPr id="3" name="テキスト プレースホルダー 2">
             <a:extLst>
               <a:ext uri="{FF2B5EF4-FFF2-40B4-BE49-F238E27FC236}">
-                <a16:creationId xmlns="" xmlns:a16="http://schemas.microsoft.com/office/drawing/2014/main" id="{13504C08-FAF4-D341-87C7-7921D878830A}"/>
+                <a16:creationId xmlns:a16="http://schemas.microsoft.com/office/drawing/2014/main" xmlns="" id="{13504C08-FAF4-D341-87C7-7921D878830A}"/>
               </a:ext>
             </a:extLst>
           </p:cNvPr>
@@ -15151,25 +15043,7 @@
                 </a:solidFill>
                 <a:latin typeface="ＭＳ ゴシック" panose="020B0609070205080204" pitchFamily="49" charset="-128"/>
               </a:rPr>
-              <a:t>"C</a:t>
-            </a:r>
-            <a:r>
-              <a:rPr lang="en-US" altLang="ja-JP" sz="2000" dirty="0" smtClean="0">
-                <a:solidFill>
-                  <a:srgbClr val="000000"/>
-                </a:solidFill>
-                <a:latin typeface="ＭＳ ゴシック" panose="020B0609070205080204" pitchFamily="49" charset="-128"/>
-              </a:rPr>
-              <a:t>:\Expense_Claims_Mar2019.xlsx</a:t>
-            </a:r>
-            <a:r>
-              <a:rPr lang="en-US" altLang="ja-JP" sz="2000" dirty="0" smtClean="0">
-                <a:solidFill>
-                  <a:srgbClr val="000000"/>
-                </a:solidFill>
-                <a:latin typeface="ＭＳ ゴシック" panose="020B0609070205080204" pitchFamily="49" charset="-128"/>
-              </a:rPr>
-              <a:t>")</a:t>
+              <a:t>"C:\Expense_Claims_Mar2019.xlsx")</a:t>
             </a:r>
           </a:p>
           <a:p>
@@ -17515,12 +17389,6 @@
               </a:rPr>
               <a:t>  </a:t>
             </a:r>
-            <a:endParaRPr lang="en-US" altLang="ja-JP" sz="2000" dirty="0" smtClean="0">
-              <a:solidFill>
-                <a:srgbClr val="297D53"/>
-              </a:solidFill>
-              <a:latin typeface="ＭＳ ゴシック" panose="020B0609070205080204" pitchFamily="49" charset="-128"/>
-            </a:endParaRPr>
           </a:p>
           <a:p>
             <a:endParaRPr kumimoji="1" lang="en-US" altLang="ja-JP" sz="2000" dirty="0" smtClean="0">
@@ -18971,7 +18839,7 @@
           <p:cNvPr id="8" name="角丸四角形吹き出し 7">
             <a:extLst>
               <a:ext uri="{FF2B5EF4-FFF2-40B4-BE49-F238E27FC236}">
-                <a16:creationId xmlns:a16="http://schemas.microsoft.com/office/drawing/2014/main" xmlns="" id="{7C4A849C-C639-B545-964A-5A275C1AAF89}"/>
+                <a16:creationId xmlns="" xmlns:a16="http://schemas.microsoft.com/office/drawing/2014/main" id="{7C4A849C-C639-B545-964A-5A275C1AAF89}"/>
               </a:ext>
             </a:extLst>
           </p:cNvPr>
@@ -19023,7 +18891,7 @@
           <p:cNvPr id="9" name="角丸四角形吹き出し 8">
             <a:extLst>
               <a:ext uri="{FF2B5EF4-FFF2-40B4-BE49-F238E27FC236}">
-                <a16:creationId xmlns:a16="http://schemas.microsoft.com/office/drawing/2014/main" xmlns="" id="{7C4A849C-C639-B545-964A-5A275C1AAF89}"/>
+                <a16:creationId xmlns="" xmlns:a16="http://schemas.microsoft.com/office/drawing/2014/main" id="{7C4A849C-C639-B545-964A-5A275C1AAF89}"/>
               </a:ext>
             </a:extLst>
           </p:cNvPr>
@@ -19121,7 +18989,7 @@
           <p:cNvPr id="2" name="タイトル 1">
             <a:extLst>
               <a:ext uri="{FF2B5EF4-FFF2-40B4-BE49-F238E27FC236}">
-                <a16:creationId xmlns="" xmlns:a16="http://schemas.microsoft.com/office/drawing/2014/main" id="{EFD7A861-05A9-7A46-98F3-9D64FFEE2A43}"/>
+                <a16:creationId xmlns:a16="http://schemas.microsoft.com/office/drawing/2014/main" xmlns="" id="{EFD7A861-05A9-7A46-98F3-9D64FFEE2A43}"/>
               </a:ext>
             </a:extLst>
           </p:cNvPr>
@@ -19154,7 +19022,7 @@
           <p:cNvPr id="3" name="テキスト プレースホルダー 2">
             <a:extLst>
               <a:ext uri="{FF2B5EF4-FFF2-40B4-BE49-F238E27FC236}">
-                <a16:creationId xmlns="" xmlns:a16="http://schemas.microsoft.com/office/drawing/2014/main" id="{13504C08-FAF4-D341-87C7-7921D878830A}"/>
+                <a16:creationId xmlns:a16="http://schemas.microsoft.com/office/drawing/2014/main" xmlns="" id="{13504C08-FAF4-D341-87C7-7921D878830A}"/>
               </a:ext>
             </a:extLst>
           </p:cNvPr>
@@ -20627,11 +20495,7 @@
             </a:r>
             <a:r>
               <a:rPr lang="ja-JP" altLang="en-US" dirty="0" smtClean="0"/>
-              <a:t>立替経費清算書を一覧表にまとめる</a:t>
-            </a:r>
-            <a:r>
-              <a:rPr lang="ja-JP" altLang="en-US" dirty="0" smtClean="0"/>
-              <a:t>ツールを</a:t>
+              <a:t>立替経費清算書を一覧表にまとめるツールを</a:t>
             </a:r>
             <a:r>
               <a:rPr lang="ja-JP" altLang="en-US" u="sng" dirty="0" smtClean="0">
@@ -20711,7 +20575,7 @@
           <p:cNvPr id="8" name="右矢印 7">
             <a:extLst>
               <a:ext uri="{FF2B5EF4-FFF2-40B4-BE49-F238E27FC236}">
-                <a16:creationId xmlns:a16="http://schemas.microsoft.com/office/drawing/2014/main" xmlns="" id="{191281F6-2AFD-2A49-8229-5047A536ECBE}"/>
+                <a16:creationId xmlns="" xmlns:a16="http://schemas.microsoft.com/office/drawing/2014/main" id="{191281F6-2AFD-2A49-8229-5047A536ECBE}"/>
               </a:ext>
             </a:extLst>
           </p:cNvPr>
@@ -20757,7 +20621,7 @@
           <p:cNvPr id="9" name="角丸四角形吹き出し 8">
             <a:extLst>
               <a:ext uri="{FF2B5EF4-FFF2-40B4-BE49-F238E27FC236}">
-                <a16:creationId xmlns:a16="http://schemas.microsoft.com/office/drawing/2014/main" xmlns="" id="{7C4A849C-C639-B545-964A-5A275C1AAF89}"/>
+                <a16:creationId xmlns="" xmlns:a16="http://schemas.microsoft.com/office/drawing/2014/main" id="{7C4A849C-C639-B545-964A-5A275C1AAF89}"/>
               </a:ext>
             </a:extLst>
           </p:cNvPr>
@@ -20809,7 +20673,7 @@
           <p:cNvPr id="10" name="角丸四角形吹き出し 9">
             <a:extLst>
               <a:ext uri="{FF2B5EF4-FFF2-40B4-BE49-F238E27FC236}">
-                <a16:creationId xmlns:a16="http://schemas.microsoft.com/office/drawing/2014/main" xmlns="" id="{7C4A849C-C639-B545-964A-5A275C1AAF89}"/>
+                <a16:creationId xmlns="" xmlns:a16="http://schemas.microsoft.com/office/drawing/2014/main" id="{7C4A849C-C639-B545-964A-5A275C1AAF89}"/>
               </a:ext>
             </a:extLst>
           </p:cNvPr>
@@ -21023,8 +20887,8 @@
         </p:nvSpPr>
         <p:spPr>
           <a:xfrm>
-            <a:off x="973189" y="2725917"/>
-            <a:ext cx="10798072" cy="3048270"/>
+            <a:off x="920778" y="2820824"/>
+            <a:ext cx="11026982" cy="3048270"/>
           </a:xfrm>
           <a:prstGeom prst="rect">
             <a:avLst/>
@@ -21497,16 +21361,16 @@
               <a:t>' </a:t>
             </a:r>
             <a:r>
-              <a:rPr lang="en-US" altLang="ja-JP" dirty="0">
+              <a:rPr lang="en-US" altLang="ja-JP" dirty="0" smtClean="0">
                 <a:solidFill>
                   <a:srgbClr val="297D53"/>
                 </a:solidFill>
                 <a:latin typeface="ＭＳ ゴシック" panose="020B0609070205080204" pitchFamily="49" charset="-128"/>
               </a:rPr>
-              <a:t>1</a:t>
-            </a:r>
-            <a:r>
-              <a:rPr lang="ja-JP" altLang="en-US" dirty="0">
+              <a:t>2</a:t>
+            </a:r>
+            <a:r>
+              <a:rPr lang="ja-JP" altLang="en-US" dirty="0" smtClean="0">
                 <a:solidFill>
                   <a:srgbClr val="297D53"/>
                 </a:solidFill>
@@ -21557,7 +21421,16 @@
                 </a:solidFill>
                 <a:latin typeface="ＭＳ ゴシック" panose="020B0609070205080204" pitchFamily="49" charset="-128"/>
               </a:rPr>
-              <a:t>を一覧表の</a:t>
+              <a:t>を一覧表</a:t>
+            </a:r>
+            <a:r>
+              <a:rPr lang="ja-JP" altLang="en-US" dirty="0" smtClean="0">
+                <a:solidFill>
+                  <a:srgbClr val="297D53"/>
+                </a:solidFill>
+                <a:latin typeface="ＭＳ ゴシック" panose="020B0609070205080204" pitchFamily="49" charset="-128"/>
+              </a:rPr>
+              <a:t>の</a:t>
             </a:r>
             <a:r>
               <a:rPr lang="en-US" altLang="ja-JP" dirty="0" smtClean="0">
@@ -21566,7 +21439,7 @@
                 </a:solidFill>
                 <a:latin typeface="ＭＳ ゴシック" panose="020B0609070205080204" pitchFamily="49" charset="-128"/>
               </a:rPr>
-              <a:t>1</a:t>
+              <a:t>2</a:t>
             </a:r>
             <a:r>
               <a:rPr lang="ja-JP" altLang="en-US" dirty="0" smtClean="0">
@@ -21575,7 +21448,16 @@
                 </a:solidFill>
                 <a:latin typeface="ＭＳ ゴシック" panose="020B0609070205080204" pitchFamily="49" charset="-128"/>
               </a:rPr>
-              <a:t>件目の行</a:t>
+              <a:t>件目</a:t>
+            </a:r>
+            <a:r>
+              <a:rPr lang="ja-JP" altLang="en-US" dirty="0" smtClean="0">
+                <a:solidFill>
+                  <a:srgbClr val="297D53"/>
+                </a:solidFill>
+                <a:latin typeface="ＭＳ ゴシック" panose="020B0609070205080204" pitchFamily="49" charset="-128"/>
+              </a:rPr>
+              <a:t>の行</a:t>
             </a:r>
             <a:r>
               <a:rPr lang="en-US" altLang="ja-JP" dirty="0" smtClean="0">
@@ -21584,7 +21466,7 @@
                 </a:solidFill>
                 <a:latin typeface="ＭＳ ゴシック" panose="020B0609070205080204" pitchFamily="49" charset="-128"/>
               </a:rPr>
-              <a:t>(2</a:t>
+              <a:t>(3</a:t>
             </a:r>
             <a:r>
               <a:rPr lang="ja-JP" altLang="en-US" dirty="0" smtClean="0">
@@ -21679,7 +21561,25 @@
                 </a:solidFill>
                 <a:latin typeface="ＭＳ ゴシック" panose="020B0609070205080204" pitchFamily="49" charset="-128"/>
               </a:rPr>
-              <a:t>+ 1, "A").Value = </a:t>
+              <a:t>+ </a:t>
+            </a:r>
+            <a:r>
+              <a:rPr lang="en-US" altLang="ja-JP" dirty="0" smtClean="0">
+                <a:solidFill>
+                  <a:srgbClr val="000000"/>
+                </a:solidFill>
+                <a:latin typeface="ＭＳ ゴシック" panose="020B0609070205080204" pitchFamily="49" charset="-128"/>
+              </a:rPr>
+              <a:t>2 - 1, </a:t>
+            </a:r>
+            <a:r>
+              <a:rPr lang="en-US" altLang="ja-JP" dirty="0" smtClean="0">
+                <a:solidFill>
+                  <a:srgbClr val="000000"/>
+                </a:solidFill>
+                <a:latin typeface="ＭＳ ゴシック" panose="020B0609070205080204" pitchFamily="49" charset="-128"/>
+              </a:rPr>
+              <a:t>"A").Value = </a:t>
             </a:r>
             <a:r>
               <a:rPr lang="en-US" altLang="ja-JP" dirty="0" err="1" smtClean="0">
@@ -21697,7 +21597,16 @@
                 </a:solidFill>
                 <a:latin typeface="ＭＳ ゴシック" panose="020B0609070205080204" pitchFamily="49" charset="-128"/>
               </a:rPr>
-              <a:t>(1).Range("B2").Value</a:t>
+              <a:t>(2).</a:t>
+            </a:r>
+            <a:r>
+              <a:rPr lang="en-US" altLang="ja-JP" dirty="0" smtClean="0">
+                <a:solidFill>
+                  <a:srgbClr val="000000"/>
+                </a:solidFill>
+                <a:latin typeface="ＭＳ ゴシック" panose="020B0609070205080204" pitchFamily="49" charset="-128"/>
+              </a:rPr>
+              <a:t>Range("B2").Value</a:t>
             </a:r>
             <a:endParaRPr lang="en-US" altLang="ja-JP" dirty="0">
               <a:solidFill>
@@ -21713,7 +21622,7 @@
           <p:cNvPr id="5" name="角丸四角形吹き出し 4">
             <a:extLst>
               <a:ext uri="{FF2B5EF4-FFF2-40B4-BE49-F238E27FC236}">
-                <a16:creationId xmlns:a16="http://schemas.microsoft.com/office/drawing/2014/main" xmlns="" id="{7C4A849C-C639-B545-964A-5A275C1AAF89}"/>
+                <a16:creationId xmlns="" xmlns:a16="http://schemas.microsoft.com/office/drawing/2014/main" id="{7C4A849C-C639-B545-964A-5A275C1AAF89}"/>
               </a:ext>
             </a:extLst>
           </p:cNvPr>
@@ -22311,7 +22220,7 @@
           <p:cNvPr id="7" name="角丸四角形吹き出し 6">
             <a:extLst>
               <a:ext uri="{FF2B5EF4-FFF2-40B4-BE49-F238E27FC236}">
-                <a16:creationId xmlns:a16="http://schemas.microsoft.com/office/drawing/2014/main" xmlns="" id="{7C4A849C-C639-B545-964A-5A275C1AAF89}"/>
+                <a16:creationId xmlns="" xmlns:a16="http://schemas.microsoft.com/office/drawing/2014/main" id="{7C4A849C-C639-B545-964A-5A275C1AAF89}"/>
               </a:ext>
             </a:extLst>
           </p:cNvPr>
@@ -22363,7 +22272,7 @@
           <p:cNvPr id="9" name="角丸四角形吹き出し 8">
             <a:extLst>
               <a:ext uri="{FF2B5EF4-FFF2-40B4-BE49-F238E27FC236}">
-                <a16:creationId xmlns:a16="http://schemas.microsoft.com/office/drawing/2014/main" xmlns="" id="{7C4A849C-C639-B545-964A-5A275C1AAF89}"/>
+                <a16:creationId xmlns="" xmlns:a16="http://schemas.microsoft.com/office/drawing/2014/main" id="{7C4A849C-C639-B545-964A-5A275C1AAF89}"/>
               </a:ext>
             </a:extLst>
           </p:cNvPr>
@@ -22531,7 +22440,7 @@
           <p:cNvPr id="2" name="タイトル 1">
             <a:extLst>
               <a:ext uri="{FF2B5EF4-FFF2-40B4-BE49-F238E27FC236}">
-                <a16:creationId xmlns="" xmlns:a16="http://schemas.microsoft.com/office/drawing/2014/main" id="{EFD7A861-05A9-7A46-98F3-9D64FFEE2A43}"/>
+                <a16:creationId xmlns:a16="http://schemas.microsoft.com/office/drawing/2014/main" xmlns="" id="{EFD7A861-05A9-7A46-98F3-9D64FFEE2A43}"/>
               </a:ext>
             </a:extLst>
           </p:cNvPr>
@@ -22559,7 +22468,7 @@
           <p:cNvPr id="3" name="テキスト プレースホルダー 2">
             <a:extLst>
               <a:ext uri="{FF2B5EF4-FFF2-40B4-BE49-F238E27FC236}">
-                <a16:creationId xmlns="" xmlns:a16="http://schemas.microsoft.com/office/drawing/2014/main" id="{13504C08-FAF4-D341-87C7-7921D878830A}"/>
+                <a16:creationId xmlns:a16="http://schemas.microsoft.com/office/drawing/2014/main" xmlns="" id="{13504C08-FAF4-D341-87C7-7921D878830A}"/>
               </a:ext>
             </a:extLst>
           </p:cNvPr>
@@ -22809,7 +22718,7 @@
           <p:cNvPr id="2" name="タイトル 1">
             <a:extLst>
               <a:ext uri="{FF2B5EF4-FFF2-40B4-BE49-F238E27FC236}">
-                <a16:creationId xmlns="" xmlns:a16="http://schemas.microsoft.com/office/drawing/2014/main" id="{016F734A-24FF-C84E-9FFB-4573DBE9D77A}"/>
+                <a16:creationId xmlns:a16="http://schemas.microsoft.com/office/drawing/2014/main" xmlns="" id="{016F734A-24FF-C84E-9FFB-4573DBE9D77A}"/>
               </a:ext>
             </a:extLst>
           </p:cNvPr>
@@ -22846,7 +22755,7 @@
           <p:cNvPr id="3" name="コンテンツ プレースホルダー 2">
             <a:extLst>
               <a:ext uri="{FF2B5EF4-FFF2-40B4-BE49-F238E27FC236}">
-                <a16:creationId xmlns="" xmlns:a16="http://schemas.microsoft.com/office/drawing/2014/main" id="{B43A4BB1-C877-F449-B9D1-75A8406375A9}"/>
+                <a16:creationId xmlns:a16="http://schemas.microsoft.com/office/drawing/2014/main" xmlns="" id="{B43A4BB1-C877-F449-B9D1-75A8406375A9}"/>
               </a:ext>
             </a:extLst>
           </p:cNvPr>
@@ -24079,7 +23988,7 @@
           <p:cNvPr id="11" name="角丸四角形吹き出し 10">
             <a:extLst>
               <a:ext uri="{FF2B5EF4-FFF2-40B4-BE49-F238E27FC236}">
-                <a16:creationId xmlns="" xmlns:a16="http://schemas.microsoft.com/office/drawing/2014/main" id="{7C4A849C-C639-B545-964A-5A275C1AAF89}"/>
+                <a16:creationId xmlns:a16="http://schemas.microsoft.com/office/drawing/2014/main" xmlns="" id="{7C4A849C-C639-B545-964A-5A275C1AAF89}"/>
               </a:ext>
             </a:extLst>
           </p:cNvPr>
@@ -24196,7 +24105,7 @@
           <p:cNvPr id="2" name="タイトル 1">
             <a:extLst>
               <a:ext uri="{FF2B5EF4-FFF2-40B4-BE49-F238E27FC236}">
-                <a16:creationId xmlns="" xmlns:a16="http://schemas.microsoft.com/office/drawing/2014/main" id="{016F734A-24FF-C84E-9FFB-4573DBE9D77A}"/>
+                <a16:creationId xmlns:a16="http://schemas.microsoft.com/office/drawing/2014/main" xmlns="" id="{016F734A-24FF-C84E-9FFB-4573DBE9D77A}"/>
               </a:ext>
             </a:extLst>
           </p:cNvPr>
@@ -24245,7 +24154,7 @@
           <p:cNvPr id="3" name="コンテンツ プレースホルダー 2">
             <a:extLst>
               <a:ext uri="{FF2B5EF4-FFF2-40B4-BE49-F238E27FC236}">
-                <a16:creationId xmlns="" xmlns:a16="http://schemas.microsoft.com/office/drawing/2014/main" id="{B43A4BB1-C877-F449-B9D1-75A8406375A9}"/>
+                <a16:creationId xmlns:a16="http://schemas.microsoft.com/office/drawing/2014/main" xmlns="" id="{B43A4BB1-C877-F449-B9D1-75A8406375A9}"/>
               </a:ext>
             </a:extLst>
           </p:cNvPr>
@@ -25513,7 +25422,7 @@
           <p:cNvPr id="6" name="上矢印 5">
             <a:extLst>
               <a:ext uri="{FF2B5EF4-FFF2-40B4-BE49-F238E27FC236}">
-                <a16:creationId xmlns="" xmlns:a16="http://schemas.microsoft.com/office/drawing/2014/main" id="{191281F6-2AFD-2A49-8229-5047A536ECBE}"/>
+                <a16:creationId xmlns:a16="http://schemas.microsoft.com/office/drawing/2014/main" xmlns="" id="{191281F6-2AFD-2A49-8229-5047A536ECBE}"/>
               </a:ext>
             </a:extLst>
           </p:cNvPr>
@@ -25608,7 +25517,7 @@
           <p:cNvPr id="2" name="タイトル 1">
             <a:extLst>
               <a:ext uri="{FF2B5EF4-FFF2-40B4-BE49-F238E27FC236}">
-                <a16:creationId xmlns="" xmlns:a16="http://schemas.microsoft.com/office/drawing/2014/main" id="{016F734A-24FF-C84E-9FFB-4573DBE9D77A}"/>
+                <a16:creationId xmlns:a16="http://schemas.microsoft.com/office/drawing/2014/main" xmlns="" id="{016F734A-24FF-C84E-9FFB-4573DBE9D77A}"/>
               </a:ext>
             </a:extLst>
           </p:cNvPr>
@@ -25653,7 +25562,7 @@
           <p:cNvPr id="3" name="コンテンツ プレースホルダー 2">
             <a:extLst>
               <a:ext uri="{FF2B5EF4-FFF2-40B4-BE49-F238E27FC236}">
-                <a16:creationId xmlns="" xmlns:a16="http://schemas.microsoft.com/office/drawing/2014/main" id="{B43A4BB1-C877-F449-B9D1-75A8406375A9}"/>
+                <a16:creationId xmlns:a16="http://schemas.microsoft.com/office/drawing/2014/main" xmlns="" id="{B43A4BB1-C877-F449-B9D1-75A8406375A9}"/>
               </a:ext>
             </a:extLst>
           </p:cNvPr>
@@ -26557,7 +26466,7 @@
           <p:cNvPr id="4" name="角丸四角形吹き出し 3">
             <a:extLst>
               <a:ext uri="{FF2B5EF4-FFF2-40B4-BE49-F238E27FC236}">
-                <a16:creationId xmlns="" xmlns:a16="http://schemas.microsoft.com/office/drawing/2014/main" id="{7C4A849C-C639-B545-964A-5A275C1AAF89}"/>
+                <a16:creationId xmlns:a16="http://schemas.microsoft.com/office/drawing/2014/main" xmlns="" id="{7C4A849C-C639-B545-964A-5A275C1AAF89}"/>
               </a:ext>
             </a:extLst>
           </p:cNvPr>
@@ -27482,6 +27391,21 @@
 </file>
 
 <file path=customXml/item1.xml><?xml version="1.0" encoding="utf-8"?>
+<?mso-contentType ?>
+<FormTemplates xmlns="http://schemas.microsoft.com/sharepoint/v3/contenttype/forms">
+  <Display>DocumentLibraryForm</Display>
+  <Edit>DocumentLibraryForm</Edit>
+  <New>DocumentLibraryForm</New>
+</FormTemplates>
+</file>
+
+<file path=customXml/item2.xml><?xml version="1.0" encoding="utf-8"?>
+<p:properties xmlns:p="http://schemas.microsoft.com/office/2006/metadata/properties" xmlns:xsi="http://www.w3.org/2001/XMLSchema-instance" xmlns:pc="http://schemas.microsoft.com/office/infopath/2007/PartnerControls">
+  <documentManagement/>
+</p:properties>
+</file>
+
+<file path=customXml/item3.xml><?xml version="1.0" encoding="utf-8"?>
 <ct:contentTypeSchema xmlns:ct="http://schemas.microsoft.com/office/2006/metadata/contentType" xmlns:ma="http://schemas.microsoft.com/office/2006/metadata/properties/metaAttributes" ct:_="" ma:_="" ma:contentTypeName="Document" ma:contentTypeID="0x0101004E64C1B9759C00439C3492CBBE953EC6" ma:contentTypeVersion="4" ma:contentTypeDescription="Create a new document." ma:contentTypeScope="" ma:versionID="4614ffbef66646ade257425cb756d12b">
   <xsd:schema xmlns:xsd="http://www.w3.org/2001/XMLSchema" xmlns:xs="http://www.w3.org/2001/XMLSchema" xmlns:p="http://schemas.microsoft.com/office/2006/metadata/properties" xmlns:ns2="9eef16d1-88bd-4aa8-b0cb-d3a7752e6d6b" xmlns:ns3="4dd0d71b-5951-40d7-bab3-745c65abb58f" targetNamespace="http://schemas.microsoft.com/office/2006/metadata/properties" ma:root="true" ma:fieldsID="beb1781d3191e837f14064601f5f8d07" ns2:_="" ns3:_="">
     <xsd:import namespace="9eef16d1-88bd-4aa8-b0cb-d3a7752e6d6b"/>
@@ -27646,36 +27570,10 @@
 </ct:contentTypeSchema>
 </file>
 
-<file path=customXml/item2.xml><?xml version="1.0" encoding="utf-8"?>
-<p:properties xmlns:p="http://schemas.microsoft.com/office/2006/metadata/properties" xmlns:xsi="http://www.w3.org/2001/XMLSchema-instance" xmlns:pc="http://schemas.microsoft.com/office/infopath/2007/PartnerControls">
-  <documentManagement/>
-</p:properties>
-</file>
-
-<file path=customXml/item3.xml><?xml version="1.0" encoding="utf-8"?>
-<?mso-contentType ?>
-<FormTemplates xmlns="http://schemas.microsoft.com/sharepoint/v3/contenttype/forms">
-  <Display>DocumentLibraryForm</Display>
-  <Edit>DocumentLibraryForm</Edit>
-  <New>DocumentLibraryForm</New>
-</FormTemplates>
-</file>
-
 <file path=customXml/itemProps1.xml><?xml version="1.0" encoding="utf-8"?>
-<ds:datastoreItem xmlns:ds="http://schemas.openxmlformats.org/officeDocument/2006/customXml" ds:itemID="{CB89F443-BEFB-44E3-950C-F541E1B82E45}">
+<ds:datastoreItem xmlns:ds="http://schemas.openxmlformats.org/officeDocument/2006/customXml" ds:itemID="{E6EF3CE6-42BA-4728-84B7-42F4006F77DE}">
   <ds:schemaRefs>
-    <ds:schemaRef ds:uri="http://schemas.microsoft.com/office/2006/metadata/contentType"/>
-    <ds:schemaRef ds:uri="http://schemas.microsoft.com/office/2006/metadata/properties/metaAttributes"/>
-    <ds:schemaRef ds:uri="http://www.w3.org/2001/XMLSchema"/>
-    <ds:schemaRef ds:uri="http://schemas.microsoft.com/office/2006/metadata/properties"/>
-    <ds:schemaRef ds:uri="9eef16d1-88bd-4aa8-b0cb-d3a7752e6d6b"/>
-    <ds:schemaRef ds:uri="4dd0d71b-5951-40d7-bab3-745c65abb58f"/>
-    <ds:schemaRef ds:uri="http://schemas.microsoft.com/office/2006/documentManagement/types"/>
-    <ds:schemaRef ds:uri="http://schemas.microsoft.com/office/infopath/2007/PartnerControls"/>
-    <ds:schemaRef ds:uri="http://schemas.openxmlformats.org/package/2006/metadata/core-properties"/>
-    <ds:schemaRef ds:uri="http://purl.org/dc/elements/1.1/"/>
-    <ds:schemaRef ds:uri="http://purl.org/dc/terms/"/>
-    <ds:schemaRef ds:uri="http://schemas.microsoft.com/internal/obd"/>
+    <ds:schemaRef ds:uri="http://schemas.microsoft.com/sharepoint/v3/contenttype/forms"/>
   </ds:schemaRefs>
 </ds:datastoreItem>
 </file>
@@ -27698,9 +27596,20 @@
 </file>
 
 <file path=customXml/itemProps3.xml><?xml version="1.0" encoding="utf-8"?>
-<ds:datastoreItem xmlns:ds="http://schemas.openxmlformats.org/officeDocument/2006/customXml" ds:itemID="{E6EF3CE6-42BA-4728-84B7-42F4006F77DE}">
+<ds:datastoreItem xmlns:ds="http://schemas.openxmlformats.org/officeDocument/2006/customXml" ds:itemID="{CB89F443-BEFB-44E3-950C-F541E1B82E45}">
   <ds:schemaRefs>
-    <ds:schemaRef ds:uri="http://schemas.microsoft.com/sharepoint/v3/contenttype/forms"/>
+    <ds:schemaRef ds:uri="http://schemas.microsoft.com/office/2006/metadata/contentType"/>
+    <ds:schemaRef ds:uri="http://schemas.microsoft.com/office/2006/metadata/properties/metaAttributes"/>
+    <ds:schemaRef ds:uri="http://www.w3.org/2001/XMLSchema"/>
+    <ds:schemaRef ds:uri="http://schemas.microsoft.com/office/2006/metadata/properties"/>
+    <ds:schemaRef ds:uri="9eef16d1-88bd-4aa8-b0cb-d3a7752e6d6b"/>
+    <ds:schemaRef ds:uri="4dd0d71b-5951-40d7-bab3-745c65abb58f"/>
+    <ds:schemaRef ds:uri="http://schemas.microsoft.com/office/2006/documentManagement/types"/>
+    <ds:schemaRef ds:uri="http://schemas.microsoft.com/office/infopath/2007/PartnerControls"/>
+    <ds:schemaRef ds:uri="http://schemas.openxmlformats.org/package/2006/metadata/core-properties"/>
+    <ds:schemaRef ds:uri="http://purl.org/dc/elements/1.1/"/>
+    <ds:schemaRef ds:uri="http://purl.org/dc/terms/"/>
+    <ds:schemaRef ds:uri="http://schemas.microsoft.com/internal/obd"/>
   </ds:schemaRefs>
 </ds:datastoreItem>
 </file>